--- a/Doku/Smart Human Detection Zwischenstand.pptx
+++ b/Doku/Smart Human Detection Zwischenstand.pptx
@@ -4,14 +4,18 @@
   <p:sldMasterIdLst>
     <p:sldMasterId id="2147483648" r:id="rId2"/>
     <p:sldMasterId id="2147483661" r:id="rId3"/>
+    <p:sldMasterId id="2147483674" r:id="rId4"/>
   </p:sldMasterIdLst>
   <p:sldIdLst>
-    <p:sldId id="256" r:id="rId4"/>
-    <p:sldId id="257" r:id="rId5"/>
-    <p:sldId id="258" r:id="rId6"/>
-    <p:sldId id="259" r:id="rId7"/>
-    <p:sldId id="260" r:id="rId8"/>
-    <p:sldId id="261" r:id="rId9"/>
+    <p:sldId id="256" r:id="rId5"/>
+    <p:sldId id="257" r:id="rId6"/>
+    <p:sldId id="258" r:id="rId7"/>
+    <p:sldId id="259" r:id="rId8"/>
+    <p:sldId id="260" r:id="rId9"/>
+    <p:sldId id="261" r:id="rId10"/>
+    <p:sldId id="262" r:id="rId11"/>
+    <p:sldId id="263" r:id="rId12"/>
+    <p:sldId id="264" r:id="rId13"/>
   </p:sldIdLst>
   <p:sldSz cx="12192000" cy="6858000"/>
   <p:notesSz cx="7559675" cy="10691812"/>
@@ -79,10 +83,8 @@
         <p:txBody>
           <a:bodyPr lIns="0" rIns="0" tIns="0" bIns="0" anchor="ctr"/>
           <a:p>
-            <a:endParaRPr b="0" lang="de-DE" sz="1800" spc="-1" strike="noStrike">
-              <a:solidFill>
-                <a:srgbClr val="000000"/>
-              </a:solidFill>
+            <a:pPr algn="ctr"/>
+            <a:endParaRPr b="0" lang="en-US" sz="4400" spc="-1" strike="noStrike">
               <a:latin typeface="Arial"/>
             </a:endParaRPr>
           </a:p>
@@ -112,10 +114,7 @@
             <a:normAutofit/>
           </a:bodyPr>
           <a:p>
-            <a:endParaRPr b="0" lang="de-DE" sz="2800" spc="-1" strike="noStrike">
-              <a:solidFill>
-                <a:srgbClr val="000000"/>
-              </a:solidFill>
+            <a:endParaRPr b="0" lang="en-US" sz="3200" spc="-1" strike="noStrike">
               <a:latin typeface="Arial"/>
             </a:endParaRPr>
           </a:p>
@@ -145,10 +144,7 @@
             <a:normAutofit/>
           </a:bodyPr>
           <a:p>
-            <a:endParaRPr b="0" lang="de-DE" sz="2800" spc="-1" strike="noStrike">
-              <a:solidFill>
-                <a:srgbClr val="000000"/>
-              </a:solidFill>
+            <a:endParaRPr b="0" lang="en-US" sz="3200" spc="-1" strike="noStrike">
               <a:latin typeface="Arial"/>
             </a:endParaRPr>
           </a:p>
@@ -198,10 +194,8 @@
         <p:txBody>
           <a:bodyPr lIns="0" rIns="0" tIns="0" bIns="0" anchor="ctr"/>
           <a:p>
-            <a:endParaRPr b="0" lang="de-DE" sz="1800" spc="-1" strike="noStrike">
-              <a:solidFill>
-                <a:srgbClr val="000000"/>
-              </a:solidFill>
+            <a:pPr algn="ctr"/>
+            <a:endParaRPr b="0" lang="en-US" sz="4400" spc="-1" strike="noStrike">
               <a:latin typeface="Arial"/>
             </a:endParaRPr>
           </a:p>
@@ -231,10 +225,7 @@
             <a:normAutofit/>
           </a:bodyPr>
           <a:p>
-            <a:endParaRPr b="0" lang="de-DE" sz="2800" spc="-1" strike="noStrike">
-              <a:solidFill>
-                <a:srgbClr val="000000"/>
-              </a:solidFill>
+            <a:endParaRPr b="0" lang="en-US" sz="3200" spc="-1" strike="noStrike">
               <a:latin typeface="Arial"/>
             </a:endParaRPr>
           </a:p>
@@ -264,10 +255,7 @@
             <a:normAutofit/>
           </a:bodyPr>
           <a:p>
-            <a:endParaRPr b="0" lang="de-DE" sz="2800" spc="-1" strike="noStrike">
-              <a:solidFill>
-                <a:srgbClr val="000000"/>
-              </a:solidFill>
+            <a:endParaRPr b="0" lang="en-US" sz="3200" spc="-1" strike="noStrike">
               <a:latin typeface="Arial"/>
             </a:endParaRPr>
           </a:p>
@@ -297,10 +285,7 @@
             <a:normAutofit/>
           </a:bodyPr>
           <a:p>
-            <a:endParaRPr b="0" lang="de-DE" sz="2800" spc="-1" strike="noStrike">
-              <a:solidFill>
-                <a:srgbClr val="000000"/>
-              </a:solidFill>
+            <a:endParaRPr b="0" lang="en-US" sz="3200" spc="-1" strike="noStrike">
               <a:latin typeface="Arial"/>
             </a:endParaRPr>
           </a:p>
@@ -330,10 +315,7 @@
             <a:normAutofit/>
           </a:bodyPr>
           <a:p>
-            <a:endParaRPr b="0" lang="de-DE" sz="2800" spc="-1" strike="noStrike">
-              <a:solidFill>
-                <a:srgbClr val="000000"/>
-              </a:solidFill>
+            <a:endParaRPr b="0" lang="en-US" sz="3200" spc="-1" strike="noStrike">
               <a:latin typeface="Arial"/>
             </a:endParaRPr>
           </a:p>
@@ -383,10 +365,8 @@
         <p:txBody>
           <a:bodyPr lIns="0" rIns="0" tIns="0" bIns="0" anchor="ctr"/>
           <a:p>
-            <a:endParaRPr b="0" lang="de-DE" sz="1800" spc="-1" strike="noStrike">
-              <a:solidFill>
-                <a:srgbClr val="000000"/>
-              </a:solidFill>
+            <a:pPr algn="ctr"/>
+            <a:endParaRPr b="0" lang="en-US" sz="4400" spc="-1" strike="noStrike">
               <a:latin typeface="Arial"/>
             </a:endParaRPr>
           </a:p>
@@ -416,10 +396,7 @@
             <a:normAutofit/>
           </a:bodyPr>
           <a:p>
-            <a:endParaRPr b="0" lang="de-DE" sz="2800" spc="-1" strike="noStrike">
-              <a:solidFill>
-                <a:srgbClr val="000000"/>
-              </a:solidFill>
+            <a:endParaRPr b="0" lang="en-US" sz="3200" spc="-1" strike="noStrike">
               <a:latin typeface="Arial"/>
             </a:endParaRPr>
           </a:p>
@@ -449,10 +426,7 @@
             <a:normAutofit/>
           </a:bodyPr>
           <a:p>
-            <a:endParaRPr b="0" lang="de-DE" sz="2800" spc="-1" strike="noStrike">
-              <a:solidFill>
-                <a:srgbClr val="000000"/>
-              </a:solidFill>
+            <a:endParaRPr b="0" lang="en-US" sz="3200" spc="-1" strike="noStrike">
               <a:latin typeface="Arial"/>
             </a:endParaRPr>
           </a:p>
@@ -482,10 +456,7 @@
             <a:normAutofit/>
           </a:bodyPr>
           <a:p>
-            <a:endParaRPr b="0" lang="de-DE" sz="2800" spc="-1" strike="noStrike">
-              <a:solidFill>
-                <a:srgbClr val="000000"/>
-              </a:solidFill>
+            <a:endParaRPr b="0" lang="en-US" sz="3200" spc="-1" strike="noStrike">
               <a:latin typeface="Arial"/>
             </a:endParaRPr>
           </a:p>
@@ -515,10 +486,7 @@
             <a:normAutofit/>
           </a:bodyPr>
           <a:p>
-            <a:endParaRPr b="0" lang="de-DE" sz="2800" spc="-1" strike="noStrike">
-              <a:solidFill>
-                <a:srgbClr val="000000"/>
-              </a:solidFill>
+            <a:endParaRPr b="0" lang="en-US" sz="3200" spc="-1" strike="noStrike">
               <a:latin typeface="Arial"/>
             </a:endParaRPr>
           </a:p>
@@ -548,10 +516,7 @@
             <a:normAutofit/>
           </a:bodyPr>
           <a:p>
-            <a:endParaRPr b="0" lang="de-DE" sz="2800" spc="-1" strike="noStrike">
-              <a:solidFill>
-                <a:srgbClr val="000000"/>
-              </a:solidFill>
+            <a:endParaRPr b="0" lang="en-US" sz="3200" spc="-1" strike="noStrike">
               <a:latin typeface="Arial"/>
             </a:endParaRPr>
           </a:p>
@@ -581,10 +546,7 @@
             <a:normAutofit/>
           </a:bodyPr>
           <a:p>
-            <a:endParaRPr b="0" lang="de-DE" sz="2800" spc="-1" strike="noStrike">
-              <a:solidFill>
-                <a:srgbClr val="000000"/>
-              </a:solidFill>
+            <a:endParaRPr b="0" lang="en-US" sz="3200" spc="-1" strike="noStrike">
               <a:latin typeface="Arial"/>
             </a:endParaRPr>
           </a:p>
@@ -656,10 +618,8 @@
         <p:txBody>
           <a:bodyPr lIns="0" rIns="0" tIns="0" bIns="0" anchor="ctr"/>
           <a:p>
-            <a:endParaRPr b="0" lang="de-DE" sz="1800" spc="-1" strike="noStrike">
-              <a:solidFill>
-                <a:srgbClr val="000000"/>
-              </a:solidFill>
+            <a:pPr algn="ctr"/>
+            <a:endParaRPr b="0" lang="en-US" sz="4400" spc="-1" strike="noStrike">
               <a:latin typeface="Arial"/>
             </a:endParaRPr>
           </a:p>
@@ -738,10 +698,8 @@
         <p:txBody>
           <a:bodyPr lIns="0" rIns="0" tIns="0" bIns="0" anchor="ctr"/>
           <a:p>
-            <a:endParaRPr b="0" lang="de-DE" sz="1800" spc="-1" strike="noStrike">
-              <a:solidFill>
-                <a:srgbClr val="000000"/>
-              </a:solidFill>
+            <a:pPr algn="ctr"/>
+            <a:endParaRPr b="0" lang="en-US" sz="4400" spc="-1" strike="noStrike">
               <a:latin typeface="Arial"/>
             </a:endParaRPr>
           </a:p>
@@ -771,10 +729,7 @@
             <a:normAutofit/>
           </a:bodyPr>
           <a:p>
-            <a:endParaRPr b="0" lang="de-DE" sz="2800" spc="-1" strike="noStrike">
-              <a:solidFill>
-                <a:srgbClr val="000000"/>
-              </a:solidFill>
+            <a:endParaRPr b="0" lang="en-US" sz="3200" spc="-1" strike="noStrike">
               <a:latin typeface="Arial"/>
             </a:endParaRPr>
           </a:p>
@@ -824,10 +779,8 @@
         <p:txBody>
           <a:bodyPr lIns="0" rIns="0" tIns="0" bIns="0" anchor="ctr"/>
           <a:p>
-            <a:endParaRPr b="0" lang="de-DE" sz="1800" spc="-1" strike="noStrike">
-              <a:solidFill>
-                <a:srgbClr val="000000"/>
-              </a:solidFill>
+            <a:pPr algn="ctr"/>
+            <a:endParaRPr b="0" lang="en-US" sz="4400" spc="-1" strike="noStrike">
               <a:latin typeface="Arial"/>
             </a:endParaRPr>
           </a:p>
@@ -857,10 +810,7 @@
             <a:normAutofit/>
           </a:bodyPr>
           <a:p>
-            <a:endParaRPr b="0" lang="de-DE" sz="2800" spc="-1" strike="noStrike">
-              <a:solidFill>
-                <a:srgbClr val="000000"/>
-              </a:solidFill>
+            <a:endParaRPr b="0" lang="en-US" sz="3200" spc="-1" strike="noStrike">
               <a:latin typeface="Arial"/>
             </a:endParaRPr>
           </a:p>
@@ -890,10 +840,7 @@
             <a:normAutofit/>
           </a:bodyPr>
           <a:p>
-            <a:endParaRPr b="0" lang="de-DE" sz="2800" spc="-1" strike="noStrike">
-              <a:solidFill>
-                <a:srgbClr val="000000"/>
-              </a:solidFill>
+            <a:endParaRPr b="0" lang="en-US" sz="3200" spc="-1" strike="noStrike">
               <a:latin typeface="Arial"/>
             </a:endParaRPr>
           </a:p>
@@ -943,10 +890,8 @@
         <p:txBody>
           <a:bodyPr lIns="0" rIns="0" tIns="0" bIns="0" anchor="ctr"/>
           <a:p>
-            <a:endParaRPr b="0" lang="de-DE" sz="1800" spc="-1" strike="noStrike">
-              <a:solidFill>
-                <a:srgbClr val="000000"/>
-              </a:solidFill>
+            <a:pPr algn="ctr"/>
+            <a:endParaRPr b="0" lang="en-US" sz="4400" spc="-1" strike="noStrike">
               <a:latin typeface="Arial"/>
             </a:endParaRPr>
           </a:p>
@@ -1047,10 +992,8 @@
         <p:txBody>
           <a:bodyPr lIns="0" rIns="0" tIns="0" bIns="0" anchor="ctr"/>
           <a:p>
-            <a:endParaRPr b="0" lang="de-DE" sz="1800" spc="-1" strike="noStrike">
-              <a:solidFill>
-                <a:srgbClr val="000000"/>
-              </a:solidFill>
+            <a:pPr algn="ctr"/>
+            <a:endParaRPr b="0" lang="en-US" sz="4400" spc="-1" strike="noStrike">
               <a:latin typeface="Arial"/>
             </a:endParaRPr>
           </a:p>
@@ -1080,10 +1023,7 @@
             <a:normAutofit/>
           </a:bodyPr>
           <a:p>
-            <a:endParaRPr b="0" lang="de-DE" sz="2800" spc="-1" strike="noStrike">
-              <a:solidFill>
-                <a:srgbClr val="000000"/>
-              </a:solidFill>
+            <a:endParaRPr b="0" lang="en-US" sz="3200" spc="-1" strike="noStrike">
               <a:latin typeface="Arial"/>
             </a:endParaRPr>
           </a:p>
@@ -1113,10 +1053,7 @@
             <a:normAutofit/>
           </a:bodyPr>
           <a:p>
-            <a:endParaRPr b="0" lang="de-DE" sz="2800" spc="-1" strike="noStrike">
-              <a:solidFill>
-                <a:srgbClr val="000000"/>
-              </a:solidFill>
+            <a:endParaRPr b="0" lang="en-US" sz="3200" spc="-1" strike="noStrike">
               <a:latin typeface="Arial"/>
             </a:endParaRPr>
           </a:p>
@@ -1146,10 +1083,7 @@
             <a:normAutofit/>
           </a:bodyPr>
           <a:p>
-            <a:endParaRPr b="0" lang="de-DE" sz="2800" spc="-1" strike="noStrike">
-              <a:solidFill>
-                <a:srgbClr val="000000"/>
-              </a:solidFill>
+            <a:endParaRPr b="0" lang="en-US" sz="3200" spc="-1" strike="noStrike">
               <a:latin typeface="Arial"/>
             </a:endParaRPr>
           </a:p>
@@ -1199,10 +1133,8 @@
         <p:txBody>
           <a:bodyPr lIns="0" rIns="0" tIns="0" bIns="0" anchor="ctr"/>
           <a:p>
-            <a:endParaRPr b="0" lang="de-DE" sz="1800" spc="-1" strike="noStrike">
-              <a:solidFill>
-                <a:srgbClr val="000000"/>
-              </a:solidFill>
+            <a:pPr algn="ctr"/>
+            <a:endParaRPr b="0" lang="en-US" sz="4400" spc="-1" strike="noStrike">
               <a:latin typeface="Arial"/>
             </a:endParaRPr>
           </a:p>
@@ -1281,10 +1213,8 @@
         <p:txBody>
           <a:bodyPr lIns="0" rIns="0" tIns="0" bIns="0" anchor="ctr"/>
           <a:p>
-            <a:endParaRPr b="0" lang="de-DE" sz="1800" spc="-1" strike="noStrike">
-              <a:solidFill>
-                <a:srgbClr val="000000"/>
-              </a:solidFill>
+            <a:pPr algn="ctr"/>
+            <a:endParaRPr b="0" lang="en-US" sz="4400" spc="-1" strike="noStrike">
               <a:latin typeface="Arial"/>
             </a:endParaRPr>
           </a:p>
@@ -1314,10 +1244,7 @@
             <a:normAutofit/>
           </a:bodyPr>
           <a:p>
-            <a:endParaRPr b="0" lang="de-DE" sz="2800" spc="-1" strike="noStrike">
-              <a:solidFill>
-                <a:srgbClr val="000000"/>
-              </a:solidFill>
+            <a:endParaRPr b="0" lang="en-US" sz="3200" spc="-1" strike="noStrike">
               <a:latin typeface="Arial"/>
             </a:endParaRPr>
           </a:p>
@@ -1347,10 +1274,7 @@
             <a:normAutofit/>
           </a:bodyPr>
           <a:p>
-            <a:endParaRPr b="0" lang="de-DE" sz="2800" spc="-1" strike="noStrike">
-              <a:solidFill>
-                <a:srgbClr val="000000"/>
-              </a:solidFill>
+            <a:endParaRPr b="0" lang="en-US" sz="3200" spc="-1" strike="noStrike">
               <a:latin typeface="Arial"/>
             </a:endParaRPr>
           </a:p>
@@ -1380,10 +1304,7 @@
             <a:normAutofit/>
           </a:bodyPr>
           <a:p>
-            <a:endParaRPr b="0" lang="de-DE" sz="2800" spc="-1" strike="noStrike">
-              <a:solidFill>
-                <a:srgbClr val="000000"/>
-              </a:solidFill>
+            <a:endParaRPr b="0" lang="en-US" sz="3200" spc="-1" strike="noStrike">
               <a:latin typeface="Arial"/>
             </a:endParaRPr>
           </a:p>
@@ -1433,10 +1354,8 @@
         <p:txBody>
           <a:bodyPr lIns="0" rIns="0" tIns="0" bIns="0" anchor="ctr"/>
           <a:p>
-            <a:endParaRPr b="0" lang="de-DE" sz="1800" spc="-1" strike="noStrike">
-              <a:solidFill>
-                <a:srgbClr val="000000"/>
-              </a:solidFill>
+            <a:pPr algn="ctr"/>
+            <a:endParaRPr b="0" lang="en-US" sz="4400" spc="-1" strike="noStrike">
               <a:latin typeface="Arial"/>
             </a:endParaRPr>
           </a:p>
@@ -1466,10 +1385,7 @@
             <a:normAutofit/>
           </a:bodyPr>
           <a:p>
-            <a:endParaRPr b="0" lang="de-DE" sz="2800" spc="-1" strike="noStrike">
-              <a:solidFill>
-                <a:srgbClr val="000000"/>
-              </a:solidFill>
+            <a:endParaRPr b="0" lang="en-US" sz="3200" spc="-1" strike="noStrike">
               <a:latin typeface="Arial"/>
             </a:endParaRPr>
           </a:p>
@@ -1499,10 +1415,7 @@
             <a:normAutofit/>
           </a:bodyPr>
           <a:p>
-            <a:endParaRPr b="0" lang="de-DE" sz="2800" spc="-1" strike="noStrike">
-              <a:solidFill>
-                <a:srgbClr val="000000"/>
-              </a:solidFill>
+            <a:endParaRPr b="0" lang="en-US" sz="3200" spc="-1" strike="noStrike">
               <a:latin typeface="Arial"/>
             </a:endParaRPr>
           </a:p>
@@ -1532,10 +1445,7 @@
             <a:normAutofit/>
           </a:bodyPr>
           <a:p>
-            <a:endParaRPr b="0" lang="de-DE" sz="2800" spc="-1" strike="noStrike">
-              <a:solidFill>
-                <a:srgbClr val="000000"/>
-              </a:solidFill>
+            <a:endParaRPr b="0" lang="en-US" sz="3200" spc="-1" strike="noStrike">
               <a:latin typeface="Arial"/>
             </a:endParaRPr>
           </a:p>
@@ -1585,10 +1495,8 @@
         <p:txBody>
           <a:bodyPr lIns="0" rIns="0" tIns="0" bIns="0" anchor="ctr"/>
           <a:p>
-            <a:endParaRPr b="0" lang="de-DE" sz="1800" spc="-1" strike="noStrike">
-              <a:solidFill>
-                <a:srgbClr val="000000"/>
-              </a:solidFill>
+            <a:pPr algn="ctr"/>
+            <a:endParaRPr b="0" lang="en-US" sz="4400" spc="-1" strike="noStrike">
               <a:latin typeface="Arial"/>
             </a:endParaRPr>
           </a:p>
@@ -1618,10 +1526,7 @@
             <a:normAutofit/>
           </a:bodyPr>
           <a:p>
-            <a:endParaRPr b="0" lang="de-DE" sz="2800" spc="-1" strike="noStrike">
-              <a:solidFill>
-                <a:srgbClr val="000000"/>
-              </a:solidFill>
+            <a:endParaRPr b="0" lang="en-US" sz="3200" spc="-1" strike="noStrike">
               <a:latin typeface="Arial"/>
             </a:endParaRPr>
           </a:p>
@@ -1651,10 +1556,7 @@
             <a:normAutofit/>
           </a:bodyPr>
           <a:p>
-            <a:endParaRPr b="0" lang="de-DE" sz="2800" spc="-1" strike="noStrike">
-              <a:solidFill>
-                <a:srgbClr val="000000"/>
-              </a:solidFill>
+            <a:endParaRPr b="0" lang="en-US" sz="3200" spc="-1" strike="noStrike">
               <a:latin typeface="Arial"/>
             </a:endParaRPr>
           </a:p>
@@ -1704,10 +1606,8 @@
         <p:txBody>
           <a:bodyPr lIns="0" rIns="0" tIns="0" bIns="0" anchor="ctr"/>
           <a:p>
-            <a:endParaRPr b="0" lang="de-DE" sz="1800" spc="-1" strike="noStrike">
-              <a:solidFill>
-                <a:srgbClr val="000000"/>
-              </a:solidFill>
+            <a:pPr algn="ctr"/>
+            <a:endParaRPr b="0" lang="en-US" sz="4400" spc="-1" strike="noStrike">
               <a:latin typeface="Arial"/>
             </a:endParaRPr>
           </a:p>
@@ -1737,10 +1637,7 @@
             <a:normAutofit/>
           </a:bodyPr>
           <a:p>
-            <a:endParaRPr b="0" lang="de-DE" sz="2800" spc="-1" strike="noStrike">
-              <a:solidFill>
-                <a:srgbClr val="000000"/>
-              </a:solidFill>
+            <a:endParaRPr b="0" lang="en-US" sz="3200" spc="-1" strike="noStrike">
               <a:latin typeface="Arial"/>
             </a:endParaRPr>
           </a:p>
@@ -1770,10 +1667,7 @@
             <a:normAutofit/>
           </a:bodyPr>
           <a:p>
-            <a:endParaRPr b="0" lang="de-DE" sz="2800" spc="-1" strike="noStrike">
-              <a:solidFill>
-                <a:srgbClr val="000000"/>
-              </a:solidFill>
+            <a:endParaRPr b="0" lang="en-US" sz="3200" spc="-1" strike="noStrike">
               <a:latin typeface="Arial"/>
             </a:endParaRPr>
           </a:p>
@@ -1803,10 +1697,7 @@
             <a:normAutofit/>
           </a:bodyPr>
           <a:p>
-            <a:endParaRPr b="0" lang="de-DE" sz="2800" spc="-1" strike="noStrike">
-              <a:solidFill>
-                <a:srgbClr val="000000"/>
-              </a:solidFill>
+            <a:endParaRPr b="0" lang="en-US" sz="3200" spc="-1" strike="noStrike">
               <a:latin typeface="Arial"/>
             </a:endParaRPr>
           </a:p>
@@ -1836,10 +1727,7 @@
             <a:normAutofit/>
           </a:bodyPr>
           <a:p>
-            <a:endParaRPr b="0" lang="de-DE" sz="2800" spc="-1" strike="noStrike">
-              <a:solidFill>
-                <a:srgbClr val="000000"/>
-              </a:solidFill>
+            <a:endParaRPr b="0" lang="en-US" sz="3200" spc="-1" strike="noStrike">
               <a:latin typeface="Arial"/>
             </a:endParaRPr>
           </a:p>
@@ -1889,10 +1777,8 @@
         <p:txBody>
           <a:bodyPr lIns="0" rIns="0" tIns="0" bIns="0" anchor="ctr"/>
           <a:p>
-            <a:endParaRPr b="0" lang="de-DE" sz="1800" spc="-1" strike="noStrike">
-              <a:solidFill>
-                <a:srgbClr val="000000"/>
-              </a:solidFill>
+            <a:pPr algn="ctr"/>
+            <a:endParaRPr b="0" lang="en-US" sz="4400" spc="-1" strike="noStrike">
               <a:latin typeface="Arial"/>
             </a:endParaRPr>
           </a:p>
@@ -1922,10 +1808,7 @@
             <a:normAutofit/>
           </a:bodyPr>
           <a:p>
-            <a:endParaRPr b="0" lang="de-DE" sz="2800" spc="-1" strike="noStrike">
-              <a:solidFill>
-                <a:srgbClr val="000000"/>
-              </a:solidFill>
+            <a:endParaRPr b="0" lang="en-US" sz="3200" spc="-1" strike="noStrike">
               <a:latin typeface="Arial"/>
             </a:endParaRPr>
           </a:p>
@@ -1955,10 +1838,7 @@
             <a:normAutofit/>
           </a:bodyPr>
           <a:p>
-            <a:endParaRPr b="0" lang="de-DE" sz="2800" spc="-1" strike="noStrike">
-              <a:solidFill>
-                <a:srgbClr val="000000"/>
-              </a:solidFill>
+            <a:endParaRPr b="0" lang="en-US" sz="3200" spc="-1" strike="noStrike">
               <a:latin typeface="Arial"/>
             </a:endParaRPr>
           </a:p>
@@ -1988,10 +1868,7 @@
             <a:normAutofit/>
           </a:bodyPr>
           <a:p>
-            <a:endParaRPr b="0" lang="de-DE" sz="2800" spc="-1" strike="noStrike">
-              <a:solidFill>
-                <a:srgbClr val="000000"/>
-              </a:solidFill>
+            <a:endParaRPr b="0" lang="en-US" sz="3200" spc="-1" strike="noStrike">
               <a:latin typeface="Arial"/>
             </a:endParaRPr>
           </a:p>
@@ -2021,10 +1898,7 @@
             <a:normAutofit/>
           </a:bodyPr>
           <a:p>
-            <a:endParaRPr b="0" lang="de-DE" sz="2800" spc="-1" strike="noStrike">
-              <a:solidFill>
-                <a:srgbClr val="000000"/>
-              </a:solidFill>
+            <a:endParaRPr b="0" lang="en-US" sz="3200" spc="-1" strike="noStrike">
               <a:latin typeface="Arial"/>
             </a:endParaRPr>
           </a:p>
@@ -2054,10 +1928,7 @@
             <a:normAutofit/>
           </a:bodyPr>
           <a:p>
-            <a:endParaRPr b="0" lang="de-DE" sz="2800" spc="-1" strike="noStrike">
-              <a:solidFill>
-                <a:srgbClr val="000000"/>
-              </a:solidFill>
+            <a:endParaRPr b="0" lang="en-US" sz="3200" spc="-1" strike="noStrike">
               <a:latin typeface="Arial"/>
             </a:endParaRPr>
           </a:p>
@@ -2087,10 +1958,352 @@
             <a:normAutofit/>
           </a:bodyPr>
           <a:p>
-            <a:endParaRPr b="0" lang="de-DE" sz="2800" spc="-1" strike="noStrike">
-              <a:solidFill>
-                <a:srgbClr val="000000"/>
-              </a:solidFill>
+            <a:endParaRPr b="0" lang="en-US" sz="3200" spc="-1" strike="noStrike">
+              <a:latin typeface="Arial"/>
+            </a:endParaRPr>
+          </a:p>
+        </p:txBody>
+      </p:sp>
+    </p:spTree>
+  </p:cSld>
+</p:sldLayout>
+</file>
+
+<file path=ppt/slideLayouts/slideLayout25.xml><?xml version="1.0" encoding="utf-8"?>
+<p:sldLayout xmlns:a="http://schemas.openxmlformats.org/drawingml/2006/main" xmlns:p="http://schemas.openxmlformats.org/presentationml/2006/main" xmlns:r="http://schemas.openxmlformats.org/officeDocument/2006/relationships" xmlns:p14="http://schemas.microsoft.com/office/powerpoint/2010/main" xmlns:p15="http://schemas.microsoft.com/office/powerpoint/2012/main" xmlns:mc="http://schemas.openxmlformats.org/markup-compatibility/2006" type="blank" preserve="1">
+  <p:cSld name="Blank Slide">
+    <p:spTree>
+      <p:nvGrpSpPr>
+        <p:cNvPr id="1" name=""/>
+        <p:cNvGrpSpPr/>
+        <p:nvPr/>
+      </p:nvGrpSpPr>
+      <p:grpSpPr>
+        <a:xfrm>
+          <a:off x="0" y="0"/>
+          <a:ext cx="0" cy="0"/>
+          <a:chOff x="0" y="0"/>
+          <a:chExt cx="0" cy="0"/>
+        </a:xfrm>
+      </p:grpSpPr>
+    </p:spTree>
+  </p:cSld>
+</p:sldLayout>
+</file>
+
+<file path=ppt/slideLayouts/slideLayout26.xml><?xml version="1.0" encoding="utf-8"?>
+<p:sldLayout xmlns:a="http://schemas.openxmlformats.org/drawingml/2006/main" xmlns:p="http://schemas.openxmlformats.org/presentationml/2006/main" xmlns:r="http://schemas.openxmlformats.org/officeDocument/2006/relationships" xmlns:p14="http://schemas.microsoft.com/office/powerpoint/2010/main" xmlns:p15="http://schemas.microsoft.com/office/powerpoint/2012/main" xmlns:mc="http://schemas.openxmlformats.org/markup-compatibility/2006" type="tx" preserve="1">
+  <p:cSld name="Title Slide">
+    <p:spTree>
+      <p:nvGrpSpPr>
+        <p:cNvPr id="1" name=""/>
+        <p:cNvGrpSpPr/>
+        <p:nvPr/>
+      </p:nvGrpSpPr>
+      <p:grpSpPr>
+        <a:xfrm>
+          <a:off x="0" y="0"/>
+          <a:ext cx="0" cy="0"/>
+          <a:chOff x="0" y="0"/>
+          <a:chExt cx="0" cy="0"/>
+        </a:xfrm>
+      </p:grpSpPr>
+      <p:sp>
+        <p:nvSpPr>
+          <p:cNvPr id="78" name="PlaceHolder 1"/>
+          <p:cNvSpPr>
+            <a:spLocks noGrp="1"/>
+          </p:cNvSpPr>
+          <p:nvPr>
+            <p:ph type="title"/>
+          </p:nvPr>
+        </p:nvSpPr>
+        <p:spPr>
+          <a:xfrm>
+            <a:off x="609480" y="273600"/>
+            <a:ext cx="10972440" cy="1144800"/>
+          </a:xfrm>
+          <a:prstGeom prst="rect">
+            <a:avLst/>
+          </a:prstGeom>
+        </p:spPr>
+        <p:txBody>
+          <a:bodyPr lIns="0" rIns="0" tIns="0" bIns="0" anchor="ctr"/>
+          <a:p>
+            <a:pPr algn="ctr"/>
+            <a:endParaRPr b="0" lang="en-US" sz="4400" spc="-1" strike="noStrike">
+              <a:latin typeface="Arial"/>
+            </a:endParaRPr>
+          </a:p>
+        </p:txBody>
+      </p:sp>
+      <p:sp>
+        <p:nvSpPr>
+          <p:cNvPr id="79" name="PlaceHolder 2"/>
+          <p:cNvSpPr>
+            <a:spLocks noGrp="1"/>
+          </p:cNvSpPr>
+          <p:nvPr>
+            <p:ph type="subTitle"/>
+          </p:nvPr>
+        </p:nvSpPr>
+        <p:spPr>
+          <a:xfrm>
+            <a:off x="609480" y="1604520"/>
+            <a:ext cx="10972440" cy="3977280"/>
+          </a:xfrm>
+          <a:prstGeom prst="rect">
+            <a:avLst/>
+          </a:prstGeom>
+        </p:spPr>
+        <p:txBody>
+          <a:bodyPr lIns="0" rIns="0" tIns="0" bIns="0" anchor="ctr"/>
+          <a:p>
+            <a:pPr algn="ctr"/>
+            <a:endParaRPr b="0" lang="en-US" sz="3200" spc="-1" strike="noStrike">
+              <a:latin typeface="Arial"/>
+            </a:endParaRPr>
+          </a:p>
+        </p:txBody>
+      </p:sp>
+    </p:spTree>
+  </p:cSld>
+</p:sldLayout>
+</file>
+
+<file path=ppt/slideLayouts/slideLayout27.xml><?xml version="1.0" encoding="utf-8"?>
+<p:sldLayout xmlns:a="http://schemas.openxmlformats.org/drawingml/2006/main" xmlns:p="http://schemas.openxmlformats.org/presentationml/2006/main" xmlns:r="http://schemas.openxmlformats.org/officeDocument/2006/relationships" xmlns:p14="http://schemas.microsoft.com/office/powerpoint/2010/main" xmlns:p15="http://schemas.microsoft.com/office/powerpoint/2012/main" xmlns:mc="http://schemas.openxmlformats.org/markup-compatibility/2006" type="obj" preserve="1">
+  <p:cSld name="Title, Content">
+    <p:spTree>
+      <p:nvGrpSpPr>
+        <p:cNvPr id="1" name=""/>
+        <p:cNvGrpSpPr/>
+        <p:nvPr/>
+      </p:nvGrpSpPr>
+      <p:grpSpPr>
+        <a:xfrm>
+          <a:off x="0" y="0"/>
+          <a:ext cx="0" cy="0"/>
+          <a:chOff x="0" y="0"/>
+          <a:chExt cx="0" cy="0"/>
+        </a:xfrm>
+      </p:grpSpPr>
+      <p:sp>
+        <p:nvSpPr>
+          <p:cNvPr id="80" name="PlaceHolder 1"/>
+          <p:cNvSpPr>
+            <a:spLocks noGrp="1"/>
+          </p:cNvSpPr>
+          <p:nvPr>
+            <p:ph type="title"/>
+          </p:nvPr>
+        </p:nvSpPr>
+        <p:spPr>
+          <a:xfrm>
+            <a:off x="609480" y="273600"/>
+            <a:ext cx="10972440" cy="1144800"/>
+          </a:xfrm>
+          <a:prstGeom prst="rect">
+            <a:avLst/>
+          </a:prstGeom>
+        </p:spPr>
+        <p:txBody>
+          <a:bodyPr lIns="0" rIns="0" tIns="0" bIns="0" anchor="ctr"/>
+          <a:p>
+            <a:pPr algn="ctr"/>
+            <a:endParaRPr b="0" lang="en-US" sz="4400" spc="-1" strike="noStrike">
+              <a:latin typeface="Arial"/>
+            </a:endParaRPr>
+          </a:p>
+        </p:txBody>
+      </p:sp>
+      <p:sp>
+        <p:nvSpPr>
+          <p:cNvPr id="81" name="PlaceHolder 2"/>
+          <p:cNvSpPr>
+            <a:spLocks noGrp="1"/>
+          </p:cNvSpPr>
+          <p:nvPr>
+            <p:ph type="body"/>
+          </p:nvPr>
+        </p:nvSpPr>
+        <p:spPr>
+          <a:xfrm>
+            <a:off x="609480" y="1604520"/>
+            <a:ext cx="10972440" cy="3977280"/>
+          </a:xfrm>
+          <a:prstGeom prst="rect">
+            <a:avLst/>
+          </a:prstGeom>
+        </p:spPr>
+        <p:txBody>
+          <a:bodyPr lIns="0" rIns="0" tIns="0" bIns="0">
+            <a:normAutofit/>
+          </a:bodyPr>
+          <a:p>
+            <a:endParaRPr b="0" lang="en-US" sz="3200" spc="-1" strike="noStrike">
+              <a:latin typeface="Arial"/>
+            </a:endParaRPr>
+          </a:p>
+        </p:txBody>
+      </p:sp>
+    </p:spTree>
+  </p:cSld>
+</p:sldLayout>
+</file>
+
+<file path=ppt/slideLayouts/slideLayout28.xml><?xml version="1.0" encoding="utf-8"?>
+<p:sldLayout xmlns:a="http://schemas.openxmlformats.org/drawingml/2006/main" xmlns:p="http://schemas.openxmlformats.org/presentationml/2006/main" xmlns:r="http://schemas.openxmlformats.org/officeDocument/2006/relationships" xmlns:p14="http://schemas.microsoft.com/office/powerpoint/2010/main" xmlns:p15="http://schemas.microsoft.com/office/powerpoint/2012/main" xmlns:mc="http://schemas.openxmlformats.org/markup-compatibility/2006" type="twoObj" preserve="1">
+  <p:cSld name="Title, 2 Content">
+    <p:spTree>
+      <p:nvGrpSpPr>
+        <p:cNvPr id="1" name=""/>
+        <p:cNvGrpSpPr/>
+        <p:nvPr/>
+      </p:nvGrpSpPr>
+      <p:grpSpPr>
+        <a:xfrm>
+          <a:off x="0" y="0"/>
+          <a:ext cx="0" cy="0"/>
+          <a:chOff x="0" y="0"/>
+          <a:chExt cx="0" cy="0"/>
+        </a:xfrm>
+      </p:grpSpPr>
+      <p:sp>
+        <p:nvSpPr>
+          <p:cNvPr id="82" name="PlaceHolder 1"/>
+          <p:cNvSpPr>
+            <a:spLocks noGrp="1"/>
+          </p:cNvSpPr>
+          <p:nvPr>
+            <p:ph type="title"/>
+          </p:nvPr>
+        </p:nvSpPr>
+        <p:spPr>
+          <a:xfrm>
+            <a:off x="609480" y="273600"/>
+            <a:ext cx="10972440" cy="1144800"/>
+          </a:xfrm>
+          <a:prstGeom prst="rect">
+            <a:avLst/>
+          </a:prstGeom>
+        </p:spPr>
+        <p:txBody>
+          <a:bodyPr lIns="0" rIns="0" tIns="0" bIns="0" anchor="ctr"/>
+          <a:p>
+            <a:pPr algn="ctr"/>
+            <a:endParaRPr b="0" lang="en-US" sz="4400" spc="-1" strike="noStrike">
+              <a:latin typeface="Arial"/>
+            </a:endParaRPr>
+          </a:p>
+        </p:txBody>
+      </p:sp>
+      <p:sp>
+        <p:nvSpPr>
+          <p:cNvPr id="83" name="PlaceHolder 2"/>
+          <p:cNvSpPr>
+            <a:spLocks noGrp="1"/>
+          </p:cNvSpPr>
+          <p:nvPr>
+            <p:ph type="body"/>
+          </p:nvPr>
+        </p:nvSpPr>
+        <p:spPr>
+          <a:xfrm>
+            <a:off x="609480" y="1604520"/>
+            <a:ext cx="5354280" cy="3977280"/>
+          </a:xfrm>
+          <a:prstGeom prst="rect">
+            <a:avLst/>
+          </a:prstGeom>
+        </p:spPr>
+        <p:txBody>
+          <a:bodyPr lIns="0" rIns="0" tIns="0" bIns="0">
+            <a:normAutofit/>
+          </a:bodyPr>
+          <a:p>
+            <a:endParaRPr b="0" lang="en-US" sz="3200" spc="-1" strike="noStrike">
+              <a:latin typeface="Arial"/>
+            </a:endParaRPr>
+          </a:p>
+        </p:txBody>
+      </p:sp>
+      <p:sp>
+        <p:nvSpPr>
+          <p:cNvPr id="84" name="PlaceHolder 3"/>
+          <p:cNvSpPr>
+            <a:spLocks noGrp="1"/>
+          </p:cNvSpPr>
+          <p:nvPr>
+            <p:ph type="body"/>
+          </p:nvPr>
+        </p:nvSpPr>
+        <p:spPr>
+          <a:xfrm>
+            <a:off x="6231960" y="1604520"/>
+            <a:ext cx="5354280" cy="3977280"/>
+          </a:xfrm>
+          <a:prstGeom prst="rect">
+            <a:avLst/>
+          </a:prstGeom>
+        </p:spPr>
+        <p:txBody>
+          <a:bodyPr lIns="0" rIns="0" tIns="0" bIns="0">
+            <a:normAutofit/>
+          </a:bodyPr>
+          <a:p>
+            <a:endParaRPr b="0" lang="en-US" sz="3200" spc="-1" strike="noStrike">
+              <a:latin typeface="Arial"/>
+            </a:endParaRPr>
+          </a:p>
+        </p:txBody>
+      </p:sp>
+    </p:spTree>
+  </p:cSld>
+</p:sldLayout>
+</file>
+
+<file path=ppt/slideLayouts/slideLayout29.xml><?xml version="1.0" encoding="utf-8"?>
+<p:sldLayout xmlns:a="http://schemas.openxmlformats.org/drawingml/2006/main" xmlns:p="http://schemas.openxmlformats.org/presentationml/2006/main" xmlns:r="http://schemas.openxmlformats.org/officeDocument/2006/relationships" xmlns:p14="http://schemas.microsoft.com/office/powerpoint/2010/main" xmlns:p15="http://schemas.microsoft.com/office/powerpoint/2012/main" xmlns:mc="http://schemas.openxmlformats.org/markup-compatibility/2006" type="titleOnly" preserve="1">
+  <p:cSld name="Title Only">
+    <p:spTree>
+      <p:nvGrpSpPr>
+        <p:cNvPr id="1" name=""/>
+        <p:cNvGrpSpPr/>
+        <p:nvPr/>
+      </p:nvGrpSpPr>
+      <p:grpSpPr>
+        <a:xfrm>
+          <a:off x="0" y="0"/>
+          <a:ext cx="0" cy="0"/>
+          <a:chOff x="0" y="0"/>
+          <a:chExt cx="0" cy="0"/>
+        </a:xfrm>
+      </p:grpSpPr>
+      <p:sp>
+        <p:nvSpPr>
+          <p:cNvPr id="85" name="PlaceHolder 1"/>
+          <p:cNvSpPr>
+            <a:spLocks noGrp="1"/>
+          </p:cNvSpPr>
+          <p:nvPr>
+            <p:ph type="title"/>
+          </p:nvPr>
+        </p:nvSpPr>
+        <p:spPr>
+          <a:xfrm>
+            <a:off x="609480" y="273600"/>
+            <a:ext cx="10972440" cy="1144800"/>
+          </a:xfrm>
+          <a:prstGeom prst="rect">
+            <a:avLst/>
+          </a:prstGeom>
+        </p:spPr>
+        <p:txBody>
+          <a:bodyPr lIns="0" rIns="0" tIns="0" bIns="0" anchor="ctr"/>
+          <a:p>
+            <a:pPr algn="ctr"/>
+            <a:endParaRPr b="0" lang="en-US" sz="4400" spc="-1" strike="noStrike">
               <a:latin typeface="Arial"/>
             </a:endParaRPr>
           </a:p>
@@ -2140,10 +2353,8 @@
         <p:txBody>
           <a:bodyPr lIns="0" rIns="0" tIns="0" bIns="0" anchor="ctr"/>
           <a:p>
-            <a:endParaRPr b="0" lang="de-DE" sz="1800" spc="-1" strike="noStrike">
-              <a:solidFill>
-                <a:srgbClr val="000000"/>
-              </a:solidFill>
+            <a:pPr algn="ctr"/>
+            <a:endParaRPr b="0" lang="en-US" sz="4400" spc="-1" strike="noStrike">
               <a:latin typeface="Arial"/>
             </a:endParaRPr>
           </a:p>
@@ -2173,10 +2384,994 @@
             <a:normAutofit/>
           </a:bodyPr>
           <a:p>
-            <a:endParaRPr b="0" lang="de-DE" sz="2800" spc="-1" strike="noStrike">
-              <a:solidFill>
-                <a:srgbClr val="000000"/>
-              </a:solidFill>
+            <a:endParaRPr b="0" lang="en-US" sz="3200" spc="-1" strike="noStrike">
+              <a:latin typeface="Arial"/>
+            </a:endParaRPr>
+          </a:p>
+        </p:txBody>
+      </p:sp>
+    </p:spTree>
+  </p:cSld>
+</p:sldLayout>
+</file>
+
+<file path=ppt/slideLayouts/slideLayout30.xml><?xml version="1.0" encoding="utf-8"?>
+<p:sldLayout xmlns:a="http://schemas.openxmlformats.org/drawingml/2006/main" xmlns:p="http://schemas.openxmlformats.org/presentationml/2006/main" xmlns:r="http://schemas.openxmlformats.org/officeDocument/2006/relationships" xmlns:p14="http://schemas.microsoft.com/office/powerpoint/2010/main" xmlns:p15="http://schemas.microsoft.com/office/powerpoint/2012/main" xmlns:mc="http://schemas.openxmlformats.org/markup-compatibility/2006" type="objOnly" preserve="1">
+  <p:cSld name="Centered Text">
+    <p:spTree>
+      <p:nvGrpSpPr>
+        <p:cNvPr id="1" name=""/>
+        <p:cNvGrpSpPr/>
+        <p:nvPr/>
+      </p:nvGrpSpPr>
+      <p:grpSpPr>
+        <a:xfrm>
+          <a:off x="0" y="0"/>
+          <a:ext cx="0" cy="0"/>
+          <a:chOff x="0" y="0"/>
+          <a:chExt cx="0" cy="0"/>
+        </a:xfrm>
+      </p:grpSpPr>
+      <p:sp>
+        <p:nvSpPr>
+          <p:cNvPr id="86" name="PlaceHolder 1"/>
+          <p:cNvSpPr>
+            <a:spLocks noGrp="1"/>
+          </p:cNvSpPr>
+          <p:nvPr>
+            <p:ph type="subTitle"/>
+          </p:nvPr>
+        </p:nvSpPr>
+        <p:spPr>
+          <a:xfrm>
+            <a:off x="609480" y="273600"/>
+            <a:ext cx="10972440" cy="5307840"/>
+          </a:xfrm>
+          <a:prstGeom prst="rect">
+            <a:avLst/>
+          </a:prstGeom>
+        </p:spPr>
+        <p:txBody>
+          <a:bodyPr lIns="0" rIns="0" tIns="0" bIns="0" anchor="ctr"/>
+          <a:p>
+            <a:pPr algn="ctr"/>
+            <a:endParaRPr b="0" lang="en-US" sz="3200" spc="-1" strike="noStrike">
+              <a:latin typeface="Arial"/>
+            </a:endParaRPr>
+          </a:p>
+        </p:txBody>
+      </p:sp>
+    </p:spTree>
+  </p:cSld>
+</p:sldLayout>
+</file>
+
+<file path=ppt/slideLayouts/slideLayout31.xml><?xml version="1.0" encoding="utf-8"?>
+<p:sldLayout xmlns:a="http://schemas.openxmlformats.org/drawingml/2006/main" xmlns:p="http://schemas.openxmlformats.org/presentationml/2006/main" xmlns:r="http://schemas.openxmlformats.org/officeDocument/2006/relationships" xmlns:p14="http://schemas.microsoft.com/office/powerpoint/2010/main" xmlns:p15="http://schemas.microsoft.com/office/powerpoint/2012/main" xmlns:mc="http://schemas.openxmlformats.org/markup-compatibility/2006" type="twoObjAndObj" preserve="1">
+  <p:cSld name="Title, 2 Content and Content">
+    <p:spTree>
+      <p:nvGrpSpPr>
+        <p:cNvPr id="1" name=""/>
+        <p:cNvGrpSpPr/>
+        <p:nvPr/>
+      </p:nvGrpSpPr>
+      <p:grpSpPr>
+        <a:xfrm>
+          <a:off x="0" y="0"/>
+          <a:ext cx="0" cy="0"/>
+          <a:chOff x="0" y="0"/>
+          <a:chExt cx="0" cy="0"/>
+        </a:xfrm>
+      </p:grpSpPr>
+      <p:sp>
+        <p:nvSpPr>
+          <p:cNvPr id="87" name="PlaceHolder 1"/>
+          <p:cNvSpPr>
+            <a:spLocks noGrp="1"/>
+          </p:cNvSpPr>
+          <p:nvPr>
+            <p:ph type="title"/>
+          </p:nvPr>
+        </p:nvSpPr>
+        <p:spPr>
+          <a:xfrm>
+            <a:off x="609480" y="273600"/>
+            <a:ext cx="10972440" cy="1144800"/>
+          </a:xfrm>
+          <a:prstGeom prst="rect">
+            <a:avLst/>
+          </a:prstGeom>
+        </p:spPr>
+        <p:txBody>
+          <a:bodyPr lIns="0" rIns="0" tIns="0" bIns="0" anchor="ctr"/>
+          <a:p>
+            <a:pPr algn="ctr"/>
+            <a:endParaRPr b="0" lang="en-US" sz="4400" spc="-1" strike="noStrike">
+              <a:latin typeface="Arial"/>
+            </a:endParaRPr>
+          </a:p>
+        </p:txBody>
+      </p:sp>
+      <p:sp>
+        <p:nvSpPr>
+          <p:cNvPr id="88" name="PlaceHolder 2"/>
+          <p:cNvSpPr>
+            <a:spLocks noGrp="1"/>
+          </p:cNvSpPr>
+          <p:nvPr>
+            <p:ph type="body"/>
+          </p:nvPr>
+        </p:nvSpPr>
+        <p:spPr>
+          <a:xfrm>
+            <a:off x="609480" y="1604520"/>
+            <a:ext cx="5354280" cy="1896840"/>
+          </a:xfrm>
+          <a:prstGeom prst="rect">
+            <a:avLst/>
+          </a:prstGeom>
+        </p:spPr>
+        <p:txBody>
+          <a:bodyPr lIns="0" rIns="0" tIns="0" bIns="0">
+            <a:normAutofit/>
+          </a:bodyPr>
+          <a:p>
+            <a:endParaRPr b="0" lang="en-US" sz="3200" spc="-1" strike="noStrike">
+              <a:latin typeface="Arial"/>
+            </a:endParaRPr>
+          </a:p>
+        </p:txBody>
+      </p:sp>
+      <p:sp>
+        <p:nvSpPr>
+          <p:cNvPr id="89" name="PlaceHolder 3"/>
+          <p:cNvSpPr>
+            <a:spLocks noGrp="1"/>
+          </p:cNvSpPr>
+          <p:nvPr>
+            <p:ph type="body"/>
+          </p:nvPr>
+        </p:nvSpPr>
+        <p:spPr>
+          <a:xfrm>
+            <a:off x="6231960" y="1604520"/>
+            <a:ext cx="5354280" cy="3977280"/>
+          </a:xfrm>
+          <a:prstGeom prst="rect">
+            <a:avLst/>
+          </a:prstGeom>
+        </p:spPr>
+        <p:txBody>
+          <a:bodyPr lIns="0" rIns="0" tIns="0" bIns="0">
+            <a:normAutofit/>
+          </a:bodyPr>
+          <a:p>
+            <a:endParaRPr b="0" lang="en-US" sz="3200" spc="-1" strike="noStrike">
+              <a:latin typeface="Arial"/>
+            </a:endParaRPr>
+          </a:p>
+        </p:txBody>
+      </p:sp>
+      <p:sp>
+        <p:nvSpPr>
+          <p:cNvPr id="90" name="PlaceHolder 4"/>
+          <p:cNvSpPr>
+            <a:spLocks noGrp="1"/>
+          </p:cNvSpPr>
+          <p:nvPr>
+            <p:ph type="body"/>
+          </p:nvPr>
+        </p:nvSpPr>
+        <p:spPr>
+          <a:xfrm>
+            <a:off x="609480" y="3682080"/>
+            <a:ext cx="5354280" cy="1896840"/>
+          </a:xfrm>
+          <a:prstGeom prst="rect">
+            <a:avLst/>
+          </a:prstGeom>
+        </p:spPr>
+        <p:txBody>
+          <a:bodyPr lIns="0" rIns="0" tIns="0" bIns="0">
+            <a:normAutofit/>
+          </a:bodyPr>
+          <a:p>
+            <a:endParaRPr b="0" lang="en-US" sz="3200" spc="-1" strike="noStrike">
+              <a:latin typeface="Arial"/>
+            </a:endParaRPr>
+          </a:p>
+        </p:txBody>
+      </p:sp>
+    </p:spTree>
+  </p:cSld>
+</p:sldLayout>
+</file>
+
+<file path=ppt/slideLayouts/slideLayout32.xml><?xml version="1.0" encoding="utf-8"?>
+<p:sldLayout xmlns:a="http://schemas.openxmlformats.org/drawingml/2006/main" xmlns:p="http://schemas.openxmlformats.org/presentationml/2006/main" xmlns:r="http://schemas.openxmlformats.org/officeDocument/2006/relationships" xmlns:p14="http://schemas.microsoft.com/office/powerpoint/2010/main" xmlns:p15="http://schemas.microsoft.com/office/powerpoint/2012/main" xmlns:mc="http://schemas.openxmlformats.org/markup-compatibility/2006" type="objAndTwoObj" preserve="1">
+  <p:cSld name="Title Content and 2 Content">
+    <p:spTree>
+      <p:nvGrpSpPr>
+        <p:cNvPr id="1" name=""/>
+        <p:cNvGrpSpPr/>
+        <p:nvPr/>
+      </p:nvGrpSpPr>
+      <p:grpSpPr>
+        <a:xfrm>
+          <a:off x="0" y="0"/>
+          <a:ext cx="0" cy="0"/>
+          <a:chOff x="0" y="0"/>
+          <a:chExt cx="0" cy="0"/>
+        </a:xfrm>
+      </p:grpSpPr>
+      <p:sp>
+        <p:nvSpPr>
+          <p:cNvPr id="91" name="PlaceHolder 1"/>
+          <p:cNvSpPr>
+            <a:spLocks noGrp="1"/>
+          </p:cNvSpPr>
+          <p:nvPr>
+            <p:ph type="title"/>
+          </p:nvPr>
+        </p:nvSpPr>
+        <p:spPr>
+          <a:xfrm>
+            <a:off x="609480" y="273600"/>
+            <a:ext cx="10972440" cy="1144800"/>
+          </a:xfrm>
+          <a:prstGeom prst="rect">
+            <a:avLst/>
+          </a:prstGeom>
+        </p:spPr>
+        <p:txBody>
+          <a:bodyPr lIns="0" rIns="0" tIns="0" bIns="0" anchor="ctr"/>
+          <a:p>
+            <a:pPr algn="ctr"/>
+            <a:endParaRPr b="0" lang="en-US" sz="4400" spc="-1" strike="noStrike">
+              <a:latin typeface="Arial"/>
+            </a:endParaRPr>
+          </a:p>
+        </p:txBody>
+      </p:sp>
+      <p:sp>
+        <p:nvSpPr>
+          <p:cNvPr id="92" name="PlaceHolder 2"/>
+          <p:cNvSpPr>
+            <a:spLocks noGrp="1"/>
+          </p:cNvSpPr>
+          <p:nvPr>
+            <p:ph type="body"/>
+          </p:nvPr>
+        </p:nvSpPr>
+        <p:spPr>
+          <a:xfrm>
+            <a:off x="609480" y="1604520"/>
+            <a:ext cx="5354280" cy="3977280"/>
+          </a:xfrm>
+          <a:prstGeom prst="rect">
+            <a:avLst/>
+          </a:prstGeom>
+        </p:spPr>
+        <p:txBody>
+          <a:bodyPr lIns="0" rIns="0" tIns="0" bIns="0">
+            <a:normAutofit/>
+          </a:bodyPr>
+          <a:p>
+            <a:endParaRPr b="0" lang="en-US" sz="3200" spc="-1" strike="noStrike">
+              <a:latin typeface="Arial"/>
+            </a:endParaRPr>
+          </a:p>
+        </p:txBody>
+      </p:sp>
+      <p:sp>
+        <p:nvSpPr>
+          <p:cNvPr id="93" name="PlaceHolder 3"/>
+          <p:cNvSpPr>
+            <a:spLocks noGrp="1"/>
+          </p:cNvSpPr>
+          <p:nvPr>
+            <p:ph type="body"/>
+          </p:nvPr>
+        </p:nvSpPr>
+        <p:spPr>
+          <a:xfrm>
+            <a:off x="6231960" y="1604520"/>
+            <a:ext cx="5354280" cy="1896840"/>
+          </a:xfrm>
+          <a:prstGeom prst="rect">
+            <a:avLst/>
+          </a:prstGeom>
+        </p:spPr>
+        <p:txBody>
+          <a:bodyPr lIns="0" rIns="0" tIns="0" bIns="0">
+            <a:normAutofit/>
+          </a:bodyPr>
+          <a:p>
+            <a:endParaRPr b="0" lang="en-US" sz="3200" spc="-1" strike="noStrike">
+              <a:latin typeface="Arial"/>
+            </a:endParaRPr>
+          </a:p>
+        </p:txBody>
+      </p:sp>
+      <p:sp>
+        <p:nvSpPr>
+          <p:cNvPr id="94" name="PlaceHolder 4"/>
+          <p:cNvSpPr>
+            <a:spLocks noGrp="1"/>
+          </p:cNvSpPr>
+          <p:nvPr>
+            <p:ph type="body"/>
+          </p:nvPr>
+        </p:nvSpPr>
+        <p:spPr>
+          <a:xfrm>
+            <a:off x="6231960" y="3682080"/>
+            <a:ext cx="5354280" cy="1896840"/>
+          </a:xfrm>
+          <a:prstGeom prst="rect">
+            <a:avLst/>
+          </a:prstGeom>
+        </p:spPr>
+        <p:txBody>
+          <a:bodyPr lIns="0" rIns="0" tIns="0" bIns="0">
+            <a:normAutofit/>
+          </a:bodyPr>
+          <a:p>
+            <a:endParaRPr b="0" lang="en-US" sz="3200" spc="-1" strike="noStrike">
+              <a:latin typeface="Arial"/>
+            </a:endParaRPr>
+          </a:p>
+        </p:txBody>
+      </p:sp>
+    </p:spTree>
+  </p:cSld>
+</p:sldLayout>
+</file>
+
+<file path=ppt/slideLayouts/slideLayout33.xml><?xml version="1.0" encoding="utf-8"?>
+<p:sldLayout xmlns:a="http://schemas.openxmlformats.org/drawingml/2006/main" xmlns:p="http://schemas.openxmlformats.org/presentationml/2006/main" xmlns:r="http://schemas.openxmlformats.org/officeDocument/2006/relationships" xmlns:p14="http://schemas.microsoft.com/office/powerpoint/2010/main" xmlns:p15="http://schemas.microsoft.com/office/powerpoint/2012/main" xmlns:mc="http://schemas.openxmlformats.org/markup-compatibility/2006" type="twoObjOverTx" preserve="1">
+  <p:cSld name="Title, 2 Content over Content">
+    <p:spTree>
+      <p:nvGrpSpPr>
+        <p:cNvPr id="1" name=""/>
+        <p:cNvGrpSpPr/>
+        <p:nvPr/>
+      </p:nvGrpSpPr>
+      <p:grpSpPr>
+        <a:xfrm>
+          <a:off x="0" y="0"/>
+          <a:ext cx="0" cy="0"/>
+          <a:chOff x="0" y="0"/>
+          <a:chExt cx="0" cy="0"/>
+        </a:xfrm>
+      </p:grpSpPr>
+      <p:sp>
+        <p:nvSpPr>
+          <p:cNvPr id="95" name="PlaceHolder 1"/>
+          <p:cNvSpPr>
+            <a:spLocks noGrp="1"/>
+          </p:cNvSpPr>
+          <p:nvPr>
+            <p:ph type="title"/>
+          </p:nvPr>
+        </p:nvSpPr>
+        <p:spPr>
+          <a:xfrm>
+            <a:off x="609480" y="273600"/>
+            <a:ext cx="10972440" cy="1144800"/>
+          </a:xfrm>
+          <a:prstGeom prst="rect">
+            <a:avLst/>
+          </a:prstGeom>
+        </p:spPr>
+        <p:txBody>
+          <a:bodyPr lIns="0" rIns="0" tIns="0" bIns="0" anchor="ctr"/>
+          <a:p>
+            <a:pPr algn="ctr"/>
+            <a:endParaRPr b="0" lang="en-US" sz="4400" spc="-1" strike="noStrike">
+              <a:latin typeface="Arial"/>
+            </a:endParaRPr>
+          </a:p>
+        </p:txBody>
+      </p:sp>
+      <p:sp>
+        <p:nvSpPr>
+          <p:cNvPr id="96" name="PlaceHolder 2"/>
+          <p:cNvSpPr>
+            <a:spLocks noGrp="1"/>
+          </p:cNvSpPr>
+          <p:nvPr>
+            <p:ph type="body"/>
+          </p:nvPr>
+        </p:nvSpPr>
+        <p:spPr>
+          <a:xfrm>
+            <a:off x="609480" y="1604520"/>
+            <a:ext cx="5354280" cy="1896840"/>
+          </a:xfrm>
+          <a:prstGeom prst="rect">
+            <a:avLst/>
+          </a:prstGeom>
+        </p:spPr>
+        <p:txBody>
+          <a:bodyPr lIns="0" rIns="0" tIns="0" bIns="0">
+            <a:normAutofit/>
+          </a:bodyPr>
+          <a:p>
+            <a:endParaRPr b="0" lang="en-US" sz="3200" spc="-1" strike="noStrike">
+              <a:latin typeface="Arial"/>
+            </a:endParaRPr>
+          </a:p>
+        </p:txBody>
+      </p:sp>
+      <p:sp>
+        <p:nvSpPr>
+          <p:cNvPr id="97" name="PlaceHolder 3"/>
+          <p:cNvSpPr>
+            <a:spLocks noGrp="1"/>
+          </p:cNvSpPr>
+          <p:nvPr>
+            <p:ph type="body"/>
+          </p:nvPr>
+        </p:nvSpPr>
+        <p:spPr>
+          <a:xfrm>
+            <a:off x="6231960" y="1604520"/>
+            <a:ext cx="5354280" cy="1896840"/>
+          </a:xfrm>
+          <a:prstGeom prst="rect">
+            <a:avLst/>
+          </a:prstGeom>
+        </p:spPr>
+        <p:txBody>
+          <a:bodyPr lIns="0" rIns="0" tIns="0" bIns="0">
+            <a:normAutofit/>
+          </a:bodyPr>
+          <a:p>
+            <a:endParaRPr b="0" lang="en-US" sz="3200" spc="-1" strike="noStrike">
+              <a:latin typeface="Arial"/>
+            </a:endParaRPr>
+          </a:p>
+        </p:txBody>
+      </p:sp>
+      <p:sp>
+        <p:nvSpPr>
+          <p:cNvPr id="98" name="PlaceHolder 4"/>
+          <p:cNvSpPr>
+            <a:spLocks noGrp="1"/>
+          </p:cNvSpPr>
+          <p:nvPr>
+            <p:ph type="body"/>
+          </p:nvPr>
+        </p:nvSpPr>
+        <p:spPr>
+          <a:xfrm>
+            <a:off x="609480" y="3682080"/>
+            <a:ext cx="10972440" cy="1896840"/>
+          </a:xfrm>
+          <a:prstGeom prst="rect">
+            <a:avLst/>
+          </a:prstGeom>
+        </p:spPr>
+        <p:txBody>
+          <a:bodyPr lIns="0" rIns="0" tIns="0" bIns="0">
+            <a:normAutofit/>
+          </a:bodyPr>
+          <a:p>
+            <a:endParaRPr b="0" lang="en-US" sz="3200" spc="-1" strike="noStrike">
+              <a:latin typeface="Arial"/>
+            </a:endParaRPr>
+          </a:p>
+        </p:txBody>
+      </p:sp>
+    </p:spTree>
+  </p:cSld>
+</p:sldLayout>
+</file>
+
+<file path=ppt/slideLayouts/slideLayout34.xml><?xml version="1.0" encoding="utf-8"?>
+<p:sldLayout xmlns:a="http://schemas.openxmlformats.org/drawingml/2006/main" xmlns:p="http://schemas.openxmlformats.org/presentationml/2006/main" xmlns:r="http://schemas.openxmlformats.org/officeDocument/2006/relationships" xmlns:p14="http://schemas.microsoft.com/office/powerpoint/2010/main" xmlns:p15="http://schemas.microsoft.com/office/powerpoint/2012/main" xmlns:mc="http://schemas.openxmlformats.org/markup-compatibility/2006" type="objOverTx" preserve="1">
+  <p:cSld name="Title, Content over Content">
+    <p:spTree>
+      <p:nvGrpSpPr>
+        <p:cNvPr id="1" name=""/>
+        <p:cNvGrpSpPr/>
+        <p:nvPr/>
+      </p:nvGrpSpPr>
+      <p:grpSpPr>
+        <a:xfrm>
+          <a:off x="0" y="0"/>
+          <a:ext cx="0" cy="0"/>
+          <a:chOff x="0" y="0"/>
+          <a:chExt cx="0" cy="0"/>
+        </a:xfrm>
+      </p:grpSpPr>
+      <p:sp>
+        <p:nvSpPr>
+          <p:cNvPr id="99" name="PlaceHolder 1"/>
+          <p:cNvSpPr>
+            <a:spLocks noGrp="1"/>
+          </p:cNvSpPr>
+          <p:nvPr>
+            <p:ph type="title"/>
+          </p:nvPr>
+        </p:nvSpPr>
+        <p:spPr>
+          <a:xfrm>
+            <a:off x="609480" y="273600"/>
+            <a:ext cx="10972440" cy="1144800"/>
+          </a:xfrm>
+          <a:prstGeom prst="rect">
+            <a:avLst/>
+          </a:prstGeom>
+        </p:spPr>
+        <p:txBody>
+          <a:bodyPr lIns="0" rIns="0" tIns="0" bIns="0" anchor="ctr"/>
+          <a:p>
+            <a:pPr algn="ctr"/>
+            <a:endParaRPr b="0" lang="en-US" sz="4400" spc="-1" strike="noStrike">
+              <a:latin typeface="Arial"/>
+            </a:endParaRPr>
+          </a:p>
+        </p:txBody>
+      </p:sp>
+      <p:sp>
+        <p:nvSpPr>
+          <p:cNvPr id="100" name="PlaceHolder 2"/>
+          <p:cNvSpPr>
+            <a:spLocks noGrp="1"/>
+          </p:cNvSpPr>
+          <p:nvPr>
+            <p:ph type="body"/>
+          </p:nvPr>
+        </p:nvSpPr>
+        <p:spPr>
+          <a:xfrm>
+            <a:off x="609480" y="1604520"/>
+            <a:ext cx="10972440" cy="1896840"/>
+          </a:xfrm>
+          <a:prstGeom prst="rect">
+            <a:avLst/>
+          </a:prstGeom>
+        </p:spPr>
+        <p:txBody>
+          <a:bodyPr lIns="0" rIns="0" tIns="0" bIns="0">
+            <a:normAutofit/>
+          </a:bodyPr>
+          <a:p>
+            <a:endParaRPr b="0" lang="en-US" sz="3200" spc="-1" strike="noStrike">
+              <a:latin typeface="Arial"/>
+            </a:endParaRPr>
+          </a:p>
+        </p:txBody>
+      </p:sp>
+      <p:sp>
+        <p:nvSpPr>
+          <p:cNvPr id="101" name="PlaceHolder 3"/>
+          <p:cNvSpPr>
+            <a:spLocks noGrp="1"/>
+          </p:cNvSpPr>
+          <p:nvPr>
+            <p:ph type="body"/>
+          </p:nvPr>
+        </p:nvSpPr>
+        <p:spPr>
+          <a:xfrm>
+            <a:off x="609480" y="3682080"/>
+            <a:ext cx="10972440" cy="1896840"/>
+          </a:xfrm>
+          <a:prstGeom prst="rect">
+            <a:avLst/>
+          </a:prstGeom>
+        </p:spPr>
+        <p:txBody>
+          <a:bodyPr lIns="0" rIns="0" tIns="0" bIns="0">
+            <a:normAutofit/>
+          </a:bodyPr>
+          <a:p>
+            <a:endParaRPr b="0" lang="en-US" sz="3200" spc="-1" strike="noStrike">
+              <a:latin typeface="Arial"/>
+            </a:endParaRPr>
+          </a:p>
+        </p:txBody>
+      </p:sp>
+    </p:spTree>
+  </p:cSld>
+</p:sldLayout>
+</file>
+
+<file path=ppt/slideLayouts/slideLayout35.xml><?xml version="1.0" encoding="utf-8"?>
+<p:sldLayout xmlns:a="http://schemas.openxmlformats.org/drawingml/2006/main" xmlns:p="http://schemas.openxmlformats.org/presentationml/2006/main" xmlns:r="http://schemas.openxmlformats.org/officeDocument/2006/relationships" xmlns:p14="http://schemas.microsoft.com/office/powerpoint/2010/main" xmlns:p15="http://schemas.microsoft.com/office/powerpoint/2012/main" xmlns:mc="http://schemas.openxmlformats.org/markup-compatibility/2006" type="fourObj" preserve="1">
+  <p:cSld name="Title, 4 Content">
+    <p:spTree>
+      <p:nvGrpSpPr>
+        <p:cNvPr id="1" name=""/>
+        <p:cNvGrpSpPr/>
+        <p:nvPr/>
+      </p:nvGrpSpPr>
+      <p:grpSpPr>
+        <a:xfrm>
+          <a:off x="0" y="0"/>
+          <a:ext cx="0" cy="0"/>
+          <a:chOff x="0" y="0"/>
+          <a:chExt cx="0" cy="0"/>
+        </a:xfrm>
+      </p:grpSpPr>
+      <p:sp>
+        <p:nvSpPr>
+          <p:cNvPr id="102" name="PlaceHolder 1"/>
+          <p:cNvSpPr>
+            <a:spLocks noGrp="1"/>
+          </p:cNvSpPr>
+          <p:nvPr>
+            <p:ph type="title"/>
+          </p:nvPr>
+        </p:nvSpPr>
+        <p:spPr>
+          <a:xfrm>
+            <a:off x="609480" y="273600"/>
+            <a:ext cx="10972440" cy="1144800"/>
+          </a:xfrm>
+          <a:prstGeom prst="rect">
+            <a:avLst/>
+          </a:prstGeom>
+        </p:spPr>
+        <p:txBody>
+          <a:bodyPr lIns="0" rIns="0" tIns="0" bIns="0" anchor="ctr"/>
+          <a:p>
+            <a:pPr algn="ctr"/>
+            <a:endParaRPr b="0" lang="en-US" sz="4400" spc="-1" strike="noStrike">
+              <a:latin typeface="Arial"/>
+            </a:endParaRPr>
+          </a:p>
+        </p:txBody>
+      </p:sp>
+      <p:sp>
+        <p:nvSpPr>
+          <p:cNvPr id="103" name="PlaceHolder 2"/>
+          <p:cNvSpPr>
+            <a:spLocks noGrp="1"/>
+          </p:cNvSpPr>
+          <p:nvPr>
+            <p:ph type="body"/>
+          </p:nvPr>
+        </p:nvSpPr>
+        <p:spPr>
+          <a:xfrm>
+            <a:off x="609480" y="1604520"/>
+            <a:ext cx="5354280" cy="1896840"/>
+          </a:xfrm>
+          <a:prstGeom prst="rect">
+            <a:avLst/>
+          </a:prstGeom>
+        </p:spPr>
+        <p:txBody>
+          <a:bodyPr lIns="0" rIns="0" tIns="0" bIns="0">
+            <a:normAutofit/>
+          </a:bodyPr>
+          <a:p>
+            <a:endParaRPr b="0" lang="en-US" sz="3200" spc="-1" strike="noStrike">
+              <a:latin typeface="Arial"/>
+            </a:endParaRPr>
+          </a:p>
+        </p:txBody>
+      </p:sp>
+      <p:sp>
+        <p:nvSpPr>
+          <p:cNvPr id="104" name="PlaceHolder 3"/>
+          <p:cNvSpPr>
+            <a:spLocks noGrp="1"/>
+          </p:cNvSpPr>
+          <p:nvPr>
+            <p:ph type="body"/>
+          </p:nvPr>
+        </p:nvSpPr>
+        <p:spPr>
+          <a:xfrm>
+            <a:off x="6231960" y="1604520"/>
+            <a:ext cx="5354280" cy="1896840"/>
+          </a:xfrm>
+          <a:prstGeom prst="rect">
+            <a:avLst/>
+          </a:prstGeom>
+        </p:spPr>
+        <p:txBody>
+          <a:bodyPr lIns="0" rIns="0" tIns="0" bIns="0">
+            <a:normAutofit/>
+          </a:bodyPr>
+          <a:p>
+            <a:endParaRPr b="0" lang="en-US" sz="3200" spc="-1" strike="noStrike">
+              <a:latin typeface="Arial"/>
+            </a:endParaRPr>
+          </a:p>
+        </p:txBody>
+      </p:sp>
+      <p:sp>
+        <p:nvSpPr>
+          <p:cNvPr id="105" name="PlaceHolder 4"/>
+          <p:cNvSpPr>
+            <a:spLocks noGrp="1"/>
+          </p:cNvSpPr>
+          <p:nvPr>
+            <p:ph type="body"/>
+          </p:nvPr>
+        </p:nvSpPr>
+        <p:spPr>
+          <a:xfrm>
+            <a:off x="609480" y="3682080"/>
+            <a:ext cx="5354280" cy="1896840"/>
+          </a:xfrm>
+          <a:prstGeom prst="rect">
+            <a:avLst/>
+          </a:prstGeom>
+        </p:spPr>
+        <p:txBody>
+          <a:bodyPr lIns="0" rIns="0" tIns="0" bIns="0">
+            <a:normAutofit/>
+          </a:bodyPr>
+          <a:p>
+            <a:endParaRPr b="0" lang="en-US" sz="3200" spc="-1" strike="noStrike">
+              <a:latin typeface="Arial"/>
+            </a:endParaRPr>
+          </a:p>
+        </p:txBody>
+      </p:sp>
+      <p:sp>
+        <p:nvSpPr>
+          <p:cNvPr id="106" name="PlaceHolder 5"/>
+          <p:cNvSpPr>
+            <a:spLocks noGrp="1"/>
+          </p:cNvSpPr>
+          <p:nvPr>
+            <p:ph type="body"/>
+          </p:nvPr>
+        </p:nvSpPr>
+        <p:spPr>
+          <a:xfrm>
+            <a:off x="6231960" y="3682080"/>
+            <a:ext cx="5354280" cy="1896840"/>
+          </a:xfrm>
+          <a:prstGeom prst="rect">
+            <a:avLst/>
+          </a:prstGeom>
+        </p:spPr>
+        <p:txBody>
+          <a:bodyPr lIns="0" rIns="0" tIns="0" bIns="0">
+            <a:normAutofit/>
+          </a:bodyPr>
+          <a:p>
+            <a:endParaRPr b="0" lang="en-US" sz="3200" spc="-1" strike="noStrike">
+              <a:latin typeface="Arial"/>
+            </a:endParaRPr>
+          </a:p>
+        </p:txBody>
+      </p:sp>
+    </p:spTree>
+  </p:cSld>
+</p:sldLayout>
+</file>
+
+<file path=ppt/slideLayouts/slideLayout36.xml><?xml version="1.0" encoding="utf-8"?>
+<p:sldLayout xmlns:a="http://schemas.openxmlformats.org/drawingml/2006/main" xmlns:p="http://schemas.openxmlformats.org/presentationml/2006/main" xmlns:r="http://schemas.openxmlformats.org/officeDocument/2006/relationships" xmlns:p14="http://schemas.microsoft.com/office/powerpoint/2010/main" xmlns:p15="http://schemas.microsoft.com/office/powerpoint/2012/main" xmlns:mc="http://schemas.openxmlformats.org/markup-compatibility/2006" type="blank" preserve="1">
+  <p:cSld name="Title, 6 Content">
+    <p:spTree>
+      <p:nvGrpSpPr>
+        <p:cNvPr id="1" name=""/>
+        <p:cNvGrpSpPr/>
+        <p:nvPr/>
+      </p:nvGrpSpPr>
+      <p:grpSpPr>
+        <a:xfrm>
+          <a:off x="0" y="0"/>
+          <a:ext cx="0" cy="0"/>
+          <a:chOff x="0" y="0"/>
+          <a:chExt cx="0" cy="0"/>
+        </a:xfrm>
+      </p:grpSpPr>
+      <p:sp>
+        <p:nvSpPr>
+          <p:cNvPr id="107" name="PlaceHolder 1"/>
+          <p:cNvSpPr>
+            <a:spLocks noGrp="1"/>
+          </p:cNvSpPr>
+          <p:nvPr>
+            <p:ph type="title"/>
+          </p:nvPr>
+        </p:nvSpPr>
+        <p:spPr>
+          <a:xfrm>
+            <a:off x="609480" y="273600"/>
+            <a:ext cx="10972440" cy="1144800"/>
+          </a:xfrm>
+          <a:prstGeom prst="rect">
+            <a:avLst/>
+          </a:prstGeom>
+        </p:spPr>
+        <p:txBody>
+          <a:bodyPr lIns="0" rIns="0" tIns="0" bIns="0" anchor="ctr"/>
+          <a:p>
+            <a:pPr algn="ctr"/>
+            <a:endParaRPr b="0" lang="en-US" sz="4400" spc="-1" strike="noStrike">
+              <a:latin typeface="Arial"/>
+            </a:endParaRPr>
+          </a:p>
+        </p:txBody>
+      </p:sp>
+      <p:sp>
+        <p:nvSpPr>
+          <p:cNvPr id="108" name="PlaceHolder 2"/>
+          <p:cNvSpPr>
+            <a:spLocks noGrp="1"/>
+          </p:cNvSpPr>
+          <p:nvPr>
+            <p:ph type="body"/>
+          </p:nvPr>
+        </p:nvSpPr>
+        <p:spPr>
+          <a:xfrm>
+            <a:off x="609480" y="1604520"/>
+            <a:ext cx="3533040" cy="1896840"/>
+          </a:xfrm>
+          <a:prstGeom prst="rect">
+            <a:avLst/>
+          </a:prstGeom>
+        </p:spPr>
+        <p:txBody>
+          <a:bodyPr lIns="0" rIns="0" tIns="0" bIns="0">
+            <a:normAutofit/>
+          </a:bodyPr>
+          <a:p>
+            <a:endParaRPr b="0" lang="en-US" sz="3200" spc="-1" strike="noStrike">
+              <a:latin typeface="Arial"/>
+            </a:endParaRPr>
+          </a:p>
+        </p:txBody>
+      </p:sp>
+      <p:sp>
+        <p:nvSpPr>
+          <p:cNvPr id="109" name="PlaceHolder 3"/>
+          <p:cNvSpPr>
+            <a:spLocks noGrp="1"/>
+          </p:cNvSpPr>
+          <p:nvPr>
+            <p:ph type="body"/>
+          </p:nvPr>
+        </p:nvSpPr>
+        <p:spPr>
+          <a:xfrm>
+            <a:off x="4319640" y="1604520"/>
+            <a:ext cx="3533040" cy="1896840"/>
+          </a:xfrm>
+          <a:prstGeom prst="rect">
+            <a:avLst/>
+          </a:prstGeom>
+        </p:spPr>
+        <p:txBody>
+          <a:bodyPr lIns="0" rIns="0" tIns="0" bIns="0">
+            <a:normAutofit/>
+          </a:bodyPr>
+          <a:p>
+            <a:endParaRPr b="0" lang="en-US" sz="3200" spc="-1" strike="noStrike">
+              <a:latin typeface="Arial"/>
+            </a:endParaRPr>
+          </a:p>
+        </p:txBody>
+      </p:sp>
+      <p:sp>
+        <p:nvSpPr>
+          <p:cNvPr id="110" name="PlaceHolder 4"/>
+          <p:cNvSpPr>
+            <a:spLocks noGrp="1"/>
+          </p:cNvSpPr>
+          <p:nvPr>
+            <p:ph type="body"/>
+          </p:nvPr>
+        </p:nvSpPr>
+        <p:spPr>
+          <a:xfrm>
+            <a:off x="8029800" y="1604520"/>
+            <a:ext cx="3533040" cy="1896840"/>
+          </a:xfrm>
+          <a:prstGeom prst="rect">
+            <a:avLst/>
+          </a:prstGeom>
+        </p:spPr>
+        <p:txBody>
+          <a:bodyPr lIns="0" rIns="0" tIns="0" bIns="0">
+            <a:normAutofit/>
+          </a:bodyPr>
+          <a:p>
+            <a:endParaRPr b="0" lang="en-US" sz="3200" spc="-1" strike="noStrike">
+              <a:latin typeface="Arial"/>
+            </a:endParaRPr>
+          </a:p>
+        </p:txBody>
+      </p:sp>
+      <p:sp>
+        <p:nvSpPr>
+          <p:cNvPr id="111" name="PlaceHolder 5"/>
+          <p:cNvSpPr>
+            <a:spLocks noGrp="1"/>
+          </p:cNvSpPr>
+          <p:nvPr>
+            <p:ph type="body"/>
+          </p:nvPr>
+        </p:nvSpPr>
+        <p:spPr>
+          <a:xfrm>
+            <a:off x="609480" y="3682080"/>
+            <a:ext cx="3533040" cy="1896840"/>
+          </a:xfrm>
+          <a:prstGeom prst="rect">
+            <a:avLst/>
+          </a:prstGeom>
+        </p:spPr>
+        <p:txBody>
+          <a:bodyPr lIns="0" rIns="0" tIns="0" bIns="0">
+            <a:normAutofit/>
+          </a:bodyPr>
+          <a:p>
+            <a:endParaRPr b="0" lang="en-US" sz="3200" spc="-1" strike="noStrike">
+              <a:latin typeface="Arial"/>
+            </a:endParaRPr>
+          </a:p>
+        </p:txBody>
+      </p:sp>
+      <p:sp>
+        <p:nvSpPr>
+          <p:cNvPr id="112" name="PlaceHolder 6"/>
+          <p:cNvSpPr>
+            <a:spLocks noGrp="1"/>
+          </p:cNvSpPr>
+          <p:nvPr>
+            <p:ph type="body"/>
+          </p:nvPr>
+        </p:nvSpPr>
+        <p:spPr>
+          <a:xfrm>
+            <a:off x="4319640" y="3682080"/>
+            <a:ext cx="3533040" cy="1896840"/>
+          </a:xfrm>
+          <a:prstGeom prst="rect">
+            <a:avLst/>
+          </a:prstGeom>
+        </p:spPr>
+        <p:txBody>
+          <a:bodyPr lIns="0" rIns="0" tIns="0" bIns="0">
+            <a:normAutofit/>
+          </a:bodyPr>
+          <a:p>
+            <a:endParaRPr b="0" lang="en-US" sz="3200" spc="-1" strike="noStrike">
+              <a:latin typeface="Arial"/>
+            </a:endParaRPr>
+          </a:p>
+        </p:txBody>
+      </p:sp>
+      <p:sp>
+        <p:nvSpPr>
+          <p:cNvPr id="113" name="PlaceHolder 7"/>
+          <p:cNvSpPr>
+            <a:spLocks noGrp="1"/>
+          </p:cNvSpPr>
+          <p:nvPr>
+            <p:ph type="body"/>
+          </p:nvPr>
+        </p:nvSpPr>
+        <p:spPr>
+          <a:xfrm>
+            <a:off x="8029800" y="3682080"/>
+            <a:ext cx="3533040" cy="1896840"/>
+          </a:xfrm>
+          <a:prstGeom prst="rect">
+            <a:avLst/>
+          </a:prstGeom>
+        </p:spPr>
+        <p:txBody>
+          <a:bodyPr lIns="0" rIns="0" tIns="0" bIns="0">
+            <a:normAutofit/>
+          </a:bodyPr>
+          <a:p>
+            <a:endParaRPr b="0" lang="en-US" sz="3200" spc="-1" strike="noStrike">
               <a:latin typeface="Arial"/>
             </a:endParaRPr>
           </a:p>
@@ -2226,10 +3421,8 @@
         <p:txBody>
           <a:bodyPr lIns="0" rIns="0" tIns="0" bIns="0" anchor="ctr"/>
           <a:p>
-            <a:endParaRPr b="0" lang="de-DE" sz="1800" spc="-1" strike="noStrike">
-              <a:solidFill>
-                <a:srgbClr val="000000"/>
-              </a:solidFill>
+            <a:pPr algn="ctr"/>
+            <a:endParaRPr b="0" lang="en-US" sz="4400" spc="-1" strike="noStrike">
               <a:latin typeface="Arial"/>
             </a:endParaRPr>
           </a:p>
@@ -2259,10 +3452,7 @@
             <a:normAutofit/>
           </a:bodyPr>
           <a:p>
-            <a:endParaRPr b="0" lang="de-DE" sz="2800" spc="-1" strike="noStrike">
-              <a:solidFill>
-                <a:srgbClr val="000000"/>
-              </a:solidFill>
+            <a:endParaRPr b="0" lang="en-US" sz="3200" spc="-1" strike="noStrike">
               <a:latin typeface="Arial"/>
             </a:endParaRPr>
           </a:p>
@@ -2292,10 +3482,7 @@
             <a:normAutofit/>
           </a:bodyPr>
           <a:p>
-            <a:endParaRPr b="0" lang="de-DE" sz="2800" spc="-1" strike="noStrike">
-              <a:solidFill>
-                <a:srgbClr val="000000"/>
-              </a:solidFill>
+            <a:endParaRPr b="0" lang="en-US" sz="3200" spc="-1" strike="noStrike">
               <a:latin typeface="Arial"/>
             </a:endParaRPr>
           </a:p>
@@ -2345,10 +3532,8 @@
         <p:txBody>
           <a:bodyPr lIns="0" rIns="0" tIns="0" bIns="0" anchor="ctr"/>
           <a:p>
-            <a:endParaRPr b="0" lang="de-DE" sz="1800" spc="-1" strike="noStrike">
-              <a:solidFill>
-                <a:srgbClr val="000000"/>
-              </a:solidFill>
+            <a:pPr algn="ctr"/>
+            <a:endParaRPr b="0" lang="en-US" sz="4400" spc="-1" strike="noStrike">
               <a:latin typeface="Arial"/>
             </a:endParaRPr>
           </a:p>
@@ -2449,10 +3634,8 @@
         <p:txBody>
           <a:bodyPr lIns="0" rIns="0" tIns="0" bIns="0" anchor="ctr"/>
           <a:p>
-            <a:endParaRPr b="0" lang="de-DE" sz="1800" spc="-1" strike="noStrike">
-              <a:solidFill>
-                <a:srgbClr val="000000"/>
-              </a:solidFill>
+            <a:pPr algn="ctr"/>
+            <a:endParaRPr b="0" lang="en-US" sz="4400" spc="-1" strike="noStrike">
               <a:latin typeface="Arial"/>
             </a:endParaRPr>
           </a:p>
@@ -2482,10 +3665,7 @@
             <a:normAutofit/>
           </a:bodyPr>
           <a:p>
-            <a:endParaRPr b="0" lang="de-DE" sz="2800" spc="-1" strike="noStrike">
-              <a:solidFill>
-                <a:srgbClr val="000000"/>
-              </a:solidFill>
+            <a:endParaRPr b="0" lang="en-US" sz="3200" spc="-1" strike="noStrike">
               <a:latin typeface="Arial"/>
             </a:endParaRPr>
           </a:p>
@@ -2515,10 +3695,7 @@
             <a:normAutofit/>
           </a:bodyPr>
           <a:p>
-            <a:endParaRPr b="0" lang="de-DE" sz="2800" spc="-1" strike="noStrike">
-              <a:solidFill>
-                <a:srgbClr val="000000"/>
-              </a:solidFill>
+            <a:endParaRPr b="0" lang="en-US" sz="3200" spc="-1" strike="noStrike">
               <a:latin typeface="Arial"/>
             </a:endParaRPr>
           </a:p>
@@ -2548,10 +3725,7 @@
             <a:normAutofit/>
           </a:bodyPr>
           <a:p>
-            <a:endParaRPr b="0" lang="de-DE" sz="2800" spc="-1" strike="noStrike">
-              <a:solidFill>
-                <a:srgbClr val="000000"/>
-              </a:solidFill>
+            <a:endParaRPr b="0" lang="en-US" sz="3200" spc="-1" strike="noStrike">
               <a:latin typeface="Arial"/>
             </a:endParaRPr>
           </a:p>
@@ -2601,10 +3775,8 @@
         <p:txBody>
           <a:bodyPr lIns="0" rIns="0" tIns="0" bIns="0" anchor="ctr"/>
           <a:p>
-            <a:endParaRPr b="0" lang="de-DE" sz="1800" spc="-1" strike="noStrike">
-              <a:solidFill>
-                <a:srgbClr val="000000"/>
-              </a:solidFill>
+            <a:pPr algn="ctr"/>
+            <a:endParaRPr b="0" lang="en-US" sz="4400" spc="-1" strike="noStrike">
               <a:latin typeface="Arial"/>
             </a:endParaRPr>
           </a:p>
@@ -2634,10 +3806,7 @@
             <a:normAutofit/>
           </a:bodyPr>
           <a:p>
-            <a:endParaRPr b="0" lang="de-DE" sz="2800" spc="-1" strike="noStrike">
-              <a:solidFill>
-                <a:srgbClr val="000000"/>
-              </a:solidFill>
+            <a:endParaRPr b="0" lang="en-US" sz="3200" spc="-1" strike="noStrike">
               <a:latin typeface="Arial"/>
             </a:endParaRPr>
           </a:p>
@@ -2667,10 +3836,7 @@
             <a:normAutofit/>
           </a:bodyPr>
           <a:p>
-            <a:endParaRPr b="0" lang="de-DE" sz="2800" spc="-1" strike="noStrike">
-              <a:solidFill>
-                <a:srgbClr val="000000"/>
-              </a:solidFill>
+            <a:endParaRPr b="0" lang="en-US" sz="3200" spc="-1" strike="noStrike">
               <a:latin typeface="Arial"/>
             </a:endParaRPr>
           </a:p>
@@ -2700,10 +3866,7 @@
             <a:normAutofit/>
           </a:bodyPr>
           <a:p>
-            <a:endParaRPr b="0" lang="de-DE" sz="2800" spc="-1" strike="noStrike">
-              <a:solidFill>
-                <a:srgbClr val="000000"/>
-              </a:solidFill>
+            <a:endParaRPr b="0" lang="en-US" sz="3200" spc="-1" strike="noStrike">
               <a:latin typeface="Arial"/>
             </a:endParaRPr>
           </a:p>
@@ -2753,10 +3916,8 @@
         <p:txBody>
           <a:bodyPr lIns="0" rIns="0" tIns="0" bIns="0" anchor="ctr"/>
           <a:p>
-            <a:endParaRPr b="0" lang="de-DE" sz="1800" spc="-1" strike="noStrike">
-              <a:solidFill>
-                <a:srgbClr val="000000"/>
-              </a:solidFill>
+            <a:pPr algn="ctr"/>
+            <a:endParaRPr b="0" lang="en-US" sz="4400" spc="-1" strike="noStrike">
               <a:latin typeface="Arial"/>
             </a:endParaRPr>
           </a:p>
@@ -2786,10 +3947,7 @@
             <a:normAutofit/>
           </a:bodyPr>
           <a:p>
-            <a:endParaRPr b="0" lang="de-DE" sz="2800" spc="-1" strike="noStrike">
-              <a:solidFill>
-                <a:srgbClr val="000000"/>
-              </a:solidFill>
+            <a:endParaRPr b="0" lang="en-US" sz="3200" spc="-1" strike="noStrike">
               <a:latin typeface="Arial"/>
             </a:endParaRPr>
           </a:p>
@@ -2819,10 +3977,7 @@
             <a:normAutofit/>
           </a:bodyPr>
           <a:p>
-            <a:endParaRPr b="0" lang="de-DE" sz="2800" spc="-1" strike="noStrike">
-              <a:solidFill>
-                <a:srgbClr val="000000"/>
-              </a:solidFill>
+            <a:endParaRPr b="0" lang="en-US" sz="3200" spc="-1" strike="noStrike">
               <a:latin typeface="Arial"/>
             </a:endParaRPr>
           </a:p>
@@ -2852,10 +4007,7 @@
             <a:normAutofit/>
           </a:bodyPr>
           <a:p>
-            <a:endParaRPr b="0" lang="de-DE" sz="2800" spc="-1" strike="noStrike">
-              <a:solidFill>
-                <a:srgbClr val="000000"/>
-              </a:solidFill>
+            <a:endParaRPr b="0" lang="en-US" sz="3200" spc="-1" strike="noStrike">
               <a:latin typeface="Arial"/>
             </a:endParaRPr>
           </a:p>
@@ -2902,8 +4054,8 @@
         </p:nvSpPr>
         <p:spPr>
           <a:xfrm>
-            <a:off x="831960" y="1709640"/>
-            <a:ext cx="10514880" cy="2851920"/>
+            <a:off x="609480" y="273600"/>
+            <a:ext cx="10972080" cy="1144440"/>
           </a:xfrm>
           <a:prstGeom prst="rect">
             <a:avLst/>
@@ -2912,19 +4064,14 @@
         <p:txBody>
           <a:bodyPr lIns="0" rIns="0" tIns="0" bIns="0" anchor="ctr"/>
           <a:p>
+            <a:pPr algn="ctr"/>
             <a:r>
-              <a:rPr b="0" lang="de-DE" sz="4400" spc="-1" strike="noStrike">
-                <a:solidFill>
-                  <a:srgbClr val="000000"/>
-                </a:solidFill>
+              <a:rPr b="0" lang="en-US" sz="4400" spc="-1" strike="noStrike">
                 <a:latin typeface="Arial"/>
               </a:rPr>
               <a:t>Click to edit the title text format</a:t>
             </a:r>
-            <a:endParaRPr b="0" lang="de-DE" sz="4400" spc="-1" strike="noStrike">
-              <a:solidFill>
-                <a:srgbClr val="000000"/>
-              </a:solidFill>
+            <a:endParaRPr b="0" lang="en-US" sz="4400" spc="-1" strike="noStrike">
               <a:latin typeface="Arial"/>
             </a:endParaRPr>
           </a:p>
@@ -2943,7 +4090,7 @@
         <p:spPr>
           <a:xfrm>
             <a:off x="609480" y="1604520"/>
-            <a:ext cx="10972440" cy="3977280"/>
+            <a:ext cx="10972080" cy="3976920"/>
           </a:xfrm>
           <a:prstGeom prst="rect">
             <a:avLst/>
@@ -2966,18 +4113,12 @@
               <a:buChar char=""/>
             </a:pPr>
             <a:r>
-              <a:rPr b="0" lang="de-DE" sz="2800" spc="-1" strike="noStrike">
-                <a:solidFill>
-                  <a:srgbClr val="000000"/>
-                </a:solidFill>
+              <a:rPr b="0" lang="en-US" sz="3200" spc="-1" strike="noStrike">
                 <a:latin typeface="Arial"/>
               </a:rPr>
               <a:t>Click to edit the outline text format</a:t>
             </a:r>
-            <a:endParaRPr b="0" lang="de-DE" sz="2800" spc="-1" strike="noStrike">
-              <a:solidFill>
-                <a:srgbClr val="000000"/>
-              </a:solidFill>
+            <a:endParaRPr b="0" lang="en-US" sz="3200" spc="-1" strike="noStrike">
               <a:latin typeface="Arial"/>
             </a:endParaRPr>
           </a:p>
@@ -2994,18 +4135,12 @@
               <a:buChar char=""/>
             </a:pPr>
             <a:r>
-              <a:rPr b="0" lang="de-DE" sz="2000" spc="-1" strike="noStrike">
-                <a:solidFill>
-                  <a:srgbClr val="000000"/>
-                </a:solidFill>
+              <a:rPr b="0" lang="en-US" sz="2800" spc="-1" strike="noStrike">
                 <a:latin typeface="Arial"/>
               </a:rPr>
               <a:t>Second Outline Level</a:t>
             </a:r>
-            <a:endParaRPr b="0" lang="de-DE" sz="2000" spc="-1" strike="noStrike">
-              <a:solidFill>
-                <a:srgbClr val="000000"/>
-              </a:solidFill>
+            <a:endParaRPr b="0" lang="en-US" sz="2800" spc="-1" strike="noStrike">
               <a:latin typeface="Arial"/>
             </a:endParaRPr>
           </a:p>
@@ -3022,18 +4157,12 @@
               <a:buChar char=""/>
             </a:pPr>
             <a:r>
-              <a:rPr b="0" lang="de-DE" sz="1800" spc="-1" strike="noStrike">
-                <a:solidFill>
-                  <a:srgbClr val="000000"/>
-                </a:solidFill>
+              <a:rPr b="0" lang="en-US" sz="2400" spc="-1" strike="noStrike">
                 <a:latin typeface="Arial"/>
               </a:rPr>
               <a:t>Third Outline Level</a:t>
             </a:r>
-            <a:endParaRPr b="0" lang="de-DE" sz="1800" spc="-1" strike="noStrike">
-              <a:solidFill>
-                <a:srgbClr val="000000"/>
-              </a:solidFill>
+            <a:endParaRPr b="0" lang="en-US" sz="2400" spc="-1" strike="noStrike">
               <a:latin typeface="Arial"/>
             </a:endParaRPr>
           </a:p>
@@ -3050,18 +4179,12 @@
               <a:buChar char=""/>
             </a:pPr>
             <a:r>
-              <a:rPr b="0" lang="de-DE" sz="1800" spc="-1" strike="noStrike">
-                <a:solidFill>
-                  <a:srgbClr val="000000"/>
-                </a:solidFill>
+              <a:rPr b="0" lang="en-US" sz="2000" spc="-1" strike="noStrike">
                 <a:latin typeface="Arial"/>
               </a:rPr>
               <a:t>Fourth Outline Level</a:t>
             </a:r>
-            <a:endParaRPr b="0" lang="de-DE" sz="1800" spc="-1" strike="noStrike">
-              <a:solidFill>
-                <a:srgbClr val="000000"/>
-              </a:solidFill>
+            <a:endParaRPr b="0" lang="en-US" sz="2000" spc="-1" strike="noStrike">
               <a:latin typeface="Arial"/>
             </a:endParaRPr>
           </a:p>
@@ -3078,18 +4201,12 @@
               <a:buChar char=""/>
             </a:pPr>
             <a:r>
-              <a:rPr b="0" lang="de-DE" sz="2000" spc="-1" strike="noStrike">
-                <a:solidFill>
-                  <a:srgbClr val="000000"/>
-                </a:solidFill>
+              <a:rPr b="0" lang="en-US" sz="2000" spc="-1" strike="noStrike">
                 <a:latin typeface="Arial"/>
               </a:rPr>
               <a:t>Fifth Outline Level</a:t>
             </a:r>
-            <a:endParaRPr b="0" lang="de-DE" sz="2000" spc="-1" strike="noStrike">
-              <a:solidFill>
-                <a:srgbClr val="000000"/>
-              </a:solidFill>
+            <a:endParaRPr b="0" lang="en-US" sz="2000" spc="-1" strike="noStrike">
               <a:latin typeface="Arial"/>
             </a:endParaRPr>
           </a:p>
@@ -3106,18 +4223,12 @@
               <a:buChar char=""/>
             </a:pPr>
             <a:r>
-              <a:rPr b="0" lang="de-DE" sz="2000" spc="-1" strike="noStrike">
-                <a:solidFill>
-                  <a:srgbClr val="000000"/>
-                </a:solidFill>
+              <a:rPr b="0" lang="en-US" sz="2000" spc="-1" strike="noStrike">
                 <a:latin typeface="Arial"/>
               </a:rPr>
               <a:t>Sixth Outline Level</a:t>
             </a:r>
-            <a:endParaRPr b="0" lang="de-DE" sz="2000" spc="-1" strike="noStrike">
-              <a:solidFill>
-                <a:srgbClr val="000000"/>
-              </a:solidFill>
+            <a:endParaRPr b="0" lang="en-US" sz="2000" spc="-1" strike="noStrike">
               <a:latin typeface="Arial"/>
             </a:endParaRPr>
           </a:p>
@@ -3134,18 +4245,12 @@
               <a:buChar char=""/>
             </a:pPr>
             <a:r>
-              <a:rPr b="0" lang="de-DE" sz="2000" spc="-1" strike="noStrike">
-                <a:solidFill>
-                  <a:srgbClr val="000000"/>
-                </a:solidFill>
+              <a:rPr b="0" lang="en-US" sz="2000" spc="-1" strike="noStrike">
                 <a:latin typeface="Arial"/>
               </a:rPr>
               <a:t>Seventh Outline Level</a:t>
             </a:r>
-            <a:endParaRPr b="0" lang="de-DE" sz="2000" spc="-1" strike="noStrike">
-              <a:solidFill>
-                <a:srgbClr val="000000"/>
-              </a:solidFill>
+            <a:endParaRPr b="0" lang="en-US" sz="2000" spc="-1" strike="noStrike">
               <a:latin typeface="Arial"/>
             </a:endParaRPr>
           </a:p>
@@ -3208,7 +4313,7 @@
         <p:spPr>
           <a:xfrm>
             <a:off x="609480" y="273600"/>
-            <a:ext cx="10972440" cy="1144800"/>
+            <a:ext cx="10972080" cy="1144440"/>
           </a:xfrm>
           <a:prstGeom prst="rect">
             <a:avLst/>
@@ -3217,19 +4322,14 @@
         <p:txBody>
           <a:bodyPr lIns="0" rIns="0" tIns="0" bIns="0" anchor="ctr"/>
           <a:p>
+            <a:pPr algn="ctr"/>
             <a:r>
-              <a:rPr b="0" lang="de-DE" sz="1800" spc="-1" strike="noStrike">
-                <a:solidFill>
-                  <a:srgbClr val="000000"/>
-                </a:solidFill>
+              <a:rPr b="0" lang="en-US" sz="4400" spc="-1" strike="noStrike">
                 <a:latin typeface="Arial"/>
               </a:rPr>
               <a:t>Click to edit the title text format</a:t>
             </a:r>
-            <a:endParaRPr b="0" lang="de-DE" sz="1800" spc="-1" strike="noStrike">
-              <a:solidFill>
-                <a:srgbClr val="000000"/>
-              </a:solidFill>
+            <a:endParaRPr b="0" lang="en-US" sz="4400" spc="-1" strike="noStrike">
               <a:latin typeface="Arial"/>
             </a:endParaRPr>
           </a:p>
@@ -3248,7 +4348,7 @@
         <p:spPr>
           <a:xfrm>
             <a:off x="609480" y="1604520"/>
-            <a:ext cx="10972440" cy="3977280"/>
+            <a:ext cx="10972080" cy="3976920"/>
           </a:xfrm>
           <a:prstGeom prst="rect">
             <a:avLst/>
@@ -3271,18 +4371,12 @@
               <a:buChar char=""/>
             </a:pPr>
             <a:r>
-              <a:rPr b="0" lang="de-DE" sz="2800" spc="-1" strike="noStrike">
-                <a:solidFill>
-                  <a:srgbClr val="000000"/>
-                </a:solidFill>
+              <a:rPr b="0" lang="en-US" sz="3200" spc="-1" strike="noStrike">
                 <a:latin typeface="Arial"/>
               </a:rPr>
               <a:t>Click to edit the outline text format</a:t>
             </a:r>
-            <a:endParaRPr b="0" lang="de-DE" sz="2800" spc="-1" strike="noStrike">
-              <a:solidFill>
-                <a:srgbClr val="000000"/>
-              </a:solidFill>
+            <a:endParaRPr b="0" lang="en-US" sz="3200" spc="-1" strike="noStrike">
               <a:latin typeface="Arial"/>
             </a:endParaRPr>
           </a:p>
@@ -3299,18 +4393,12 @@
               <a:buChar char=""/>
             </a:pPr>
             <a:r>
-              <a:rPr b="0" lang="de-DE" sz="2000" spc="-1" strike="noStrike">
-                <a:solidFill>
-                  <a:srgbClr val="000000"/>
-                </a:solidFill>
+              <a:rPr b="0" lang="en-US" sz="2800" spc="-1" strike="noStrike">
                 <a:latin typeface="Arial"/>
               </a:rPr>
               <a:t>Second Outline Level</a:t>
             </a:r>
-            <a:endParaRPr b="0" lang="de-DE" sz="2000" spc="-1" strike="noStrike">
-              <a:solidFill>
-                <a:srgbClr val="000000"/>
-              </a:solidFill>
+            <a:endParaRPr b="0" lang="en-US" sz="2800" spc="-1" strike="noStrike">
               <a:latin typeface="Arial"/>
             </a:endParaRPr>
           </a:p>
@@ -3327,18 +4415,12 @@
               <a:buChar char=""/>
             </a:pPr>
             <a:r>
-              <a:rPr b="0" lang="de-DE" sz="1800" spc="-1" strike="noStrike">
-                <a:solidFill>
-                  <a:srgbClr val="000000"/>
-                </a:solidFill>
+              <a:rPr b="0" lang="en-US" sz="2400" spc="-1" strike="noStrike">
                 <a:latin typeface="Arial"/>
               </a:rPr>
               <a:t>Third Outline Level</a:t>
             </a:r>
-            <a:endParaRPr b="0" lang="de-DE" sz="1800" spc="-1" strike="noStrike">
-              <a:solidFill>
-                <a:srgbClr val="000000"/>
-              </a:solidFill>
+            <a:endParaRPr b="0" lang="en-US" sz="2400" spc="-1" strike="noStrike">
               <a:latin typeface="Arial"/>
             </a:endParaRPr>
           </a:p>
@@ -3355,18 +4437,12 @@
               <a:buChar char=""/>
             </a:pPr>
             <a:r>
-              <a:rPr b="0" lang="de-DE" sz="1800" spc="-1" strike="noStrike">
-                <a:solidFill>
-                  <a:srgbClr val="000000"/>
-                </a:solidFill>
+              <a:rPr b="0" lang="en-US" sz="2000" spc="-1" strike="noStrike">
                 <a:latin typeface="Arial"/>
               </a:rPr>
               <a:t>Fourth Outline Level</a:t>
             </a:r>
-            <a:endParaRPr b="0" lang="de-DE" sz="1800" spc="-1" strike="noStrike">
-              <a:solidFill>
-                <a:srgbClr val="000000"/>
-              </a:solidFill>
+            <a:endParaRPr b="0" lang="en-US" sz="2000" spc="-1" strike="noStrike">
               <a:latin typeface="Arial"/>
             </a:endParaRPr>
           </a:p>
@@ -3383,18 +4459,12 @@
               <a:buChar char=""/>
             </a:pPr>
             <a:r>
-              <a:rPr b="0" lang="de-DE" sz="2000" spc="-1" strike="noStrike">
-                <a:solidFill>
-                  <a:srgbClr val="000000"/>
-                </a:solidFill>
+              <a:rPr b="0" lang="en-US" sz="2000" spc="-1" strike="noStrike">
                 <a:latin typeface="Arial"/>
               </a:rPr>
               <a:t>Fifth Outline Level</a:t>
             </a:r>
-            <a:endParaRPr b="0" lang="de-DE" sz="2000" spc="-1" strike="noStrike">
-              <a:solidFill>
-                <a:srgbClr val="000000"/>
-              </a:solidFill>
+            <a:endParaRPr b="0" lang="en-US" sz="2000" spc="-1" strike="noStrike">
               <a:latin typeface="Arial"/>
             </a:endParaRPr>
           </a:p>
@@ -3411,18 +4481,12 @@
               <a:buChar char=""/>
             </a:pPr>
             <a:r>
-              <a:rPr b="0" lang="de-DE" sz="2000" spc="-1" strike="noStrike">
-                <a:solidFill>
-                  <a:srgbClr val="000000"/>
-                </a:solidFill>
+              <a:rPr b="0" lang="en-US" sz="2000" spc="-1" strike="noStrike">
                 <a:latin typeface="Arial"/>
               </a:rPr>
               <a:t>Sixth Outline Level</a:t>
             </a:r>
-            <a:endParaRPr b="0" lang="de-DE" sz="2000" spc="-1" strike="noStrike">
-              <a:solidFill>
-                <a:srgbClr val="000000"/>
-              </a:solidFill>
+            <a:endParaRPr b="0" lang="en-US" sz="2000" spc="-1" strike="noStrike">
               <a:latin typeface="Arial"/>
             </a:endParaRPr>
           </a:p>
@@ -3439,18 +4503,12 @@
               <a:buChar char=""/>
             </a:pPr>
             <a:r>
-              <a:rPr b="0" lang="de-DE" sz="2000" spc="-1" strike="noStrike">
-                <a:solidFill>
-                  <a:srgbClr val="000000"/>
-                </a:solidFill>
+              <a:rPr b="0" lang="en-US" sz="2000" spc="-1" strike="noStrike">
                 <a:latin typeface="Arial"/>
               </a:rPr>
               <a:t>Seventh Outline Level</a:t>
             </a:r>
-            <a:endParaRPr b="0" lang="de-DE" sz="2000" spc="-1" strike="noStrike">
-              <a:solidFill>
-                <a:srgbClr val="000000"/>
-              </a:solidFill>
+            <a:endParaRPr b="0" lang="en-US" sz="2000" spc="-1" strike="noStrike">
               <a:latin typeface="Arial"/>
             </a:endParaRPr>
           </a:p>
@@ -3472,6 +4530,264 @@
     <p:sldLayoutId id="2147483671" r:id="rId11"/>
     <p:sldLayoutId id="2147483672" r:id="rId12"/>
     <p:sldLayoutId id="2147483673" r:id="rId13"/>
+  </p:sldLayoutIdLst>
+</p:sldMaster>
+</file>
+
+<file path=ppt/slideMasters/slideMaster3.xml><?xml version="1.0" encoding="utf-8"?>
+<p:sldMaster xmlns:a="http://schemas.openxmlformats.org/drawingml/2006/main" xmlns:p="http://schemas.openxmlformats.org/presentationml/2006/main" xmlns:r="http://schemas.openxmlformats.org/officeDocument/2006/relationships" xmlns:p14="http://schemas.microsoft.com/office/powerpoint/2010/main" xmlns:p15="http://schemas.microsoft.com/office/powerpoint/2012/main" xmlns:mc="http://schemas.openxmlformats.org/markup-compatibility/2006">
+  <p:cSld>
+    <p:bg>
+      <p:bgPr>
+        <a:solidFill>
+          <a:srgbClr val="ffffff"/>
+        </a:solidFill>
+      </p:bgPr>
+    </p:bg>
+    <p:spTree>
+      <p:nvGrpSpPr>
+        <p:cNvPr id="1" name=""/>
+        <p:cNvGrpSpPr/>
+        <p:nvPr/>
+      </p:nvGrpSpPr>
+      <p:grpSpPr>
+        <a:xfrm>
+          <a:off x="0" y="0"/>
+          <a:ext cx="0" cy="0"/>
+          <a:chOff x="0" y="0"/>
+          <a:chExt cx="0" cy="0"/>
+        </a:xfrm>
+      </p:grpSpPr>
+      <p:sp>
+        <p:nvSpPr>
+          <p:cNvPr id="76" name="PlaceHolder 1"/>
+          <p:cNvSpPr>
+            <a:spLocks noGrp="1"/>
+          </p:cNvSpPr>
+          <p:nvPr>
+            <p:ph type="title"/>
+          </p:nvPr>
+        </p:nvSpPr>
+        <p:spPr>
+          <a:xfrm>
+            <a:off x="609480" y="273600"/>
+            <a:ext cx="10972440" cy="1144800"/>
+          </a:xfrm>
+          <a:prstGeom prst="rect">
+            <a:avLst/>
+          </a:prstGeom>
+        </p:spPr>
+        <p:txBody>
+          <a:bodyPr lIns="0" rIns="0" tIns="0" bIns="0" anchor="ctr"/>
+          <a:p>
+            <a:pPr algn="ctr"/>
+            <a:r>
+              <a:rPr b="0" lang="en-US" sz="4400" spc="-1" strike="noStrike">
+                <a:latin typeface="Arial"/>
+              </a:rPr>
+              <a:t>Click to edit the title text format</a:t>
+            </a:r>
+            <a:endParaRPr b="0" lang="en-US" sz="4400" spc="-1" strike="noStrike">
+              <a:latin typeface="Arial"/>
+            </a:endParaRPr>
+          </a:p>
+        </p:txBody>
+      </p:sp>
+      <p:sp>
+        <p:nvSpPr>
+          <p:cNvPr id="77" name="PlaceHolder 2"/>
+          <p:cNvSpPr>
+            <a:spLocks noGrp="1"/>
+          </p:cNvSpPr>
+          <p:nvPr>
+            <p:ph type="body"/>
+          </p:nvPr>
+        </p:nvSpPr>
+        <p:spPr>
+          <a:xfrm>
+            <a:off x="609480" y="1604520"/>
+            <a:ext cx="10972440" cy="3977280"/>
+          </a:xfrm>
+          <a:prstGeom prst="rect">
+            <a:avLst/>
+          </a:prstGeom>
+        </p:spPr>
+        <p:txBody>
+          <a:bodyPr lIns="0" rIns="0" tIns="0" bIns="0">
+            <a:normAutofit/>
+          </a:bodyPr>
+          <a:p>
+            <a:pPr marL="432000" indent="-324000">
+              <a:spcBef>
+                <a:spcPts val="1417"/>
+              </a:spcBef>
+              <a:buClr>
+                <a:srgbClr val="000000"/>
+              </a:buClr>
+              <a:buSzPct val="45000"/>
+              <a:buFont typeface="Wingdings" charset="2"/>
+              <a:buChar char=""/>
+            </a:pPr>
+            <a:r>
+              <a:rPr b="0" lang="en-US" sz="3200" spc="-1" strike="noStrike">
+                <a:latin typeface="Arial"/>
+              </a:rPr>
+              <a:t>Click to edit the outline text format</a:t>
+            </a:r>
+            <a:endParaRPr b="0" lang="en-US" sz="3200" spc="-1" strike="noStrike">
+              <a:latin typeface="Arial"/>
+            </a:endParaRPr>
+          </a:p>
+          <a:p>
+            <a:pPr lvl="1" marL="864000" indent="-324000">
+              <a:spcBef>
+                <a:spcPts val="1134"/>
+              </a:spcBef>
+              <a:buClr>
+                <a:srgbClr val="000000"/>
+              </a:buClr>
+              <a:buSzPct val="75000"/>
+              <a:buFont typeface="Symbol" charset="2"/>
+              <a:buChar char=""/>
+            </a:pPr>
+            <a:r>
+              <a:rPr b="0" lang="en-US" sz="2800" spc="-1" strike="noStrike">
+                <a:latin typeface="Arial"/>
+              </a:rPr>
+              <a:t>Second Outline Level</a:t>
+            </a:r>
+            <a:endParaRPr b="0" lang="en-US" sz="2800" spc="-1" strike="noStrike">
+              <a:latin typeface="Arial"/>
+            </a:endParaRPr>
+          </a:p>
+          <a:p>
+            <a:pPr lvl="2" marL="1296000" indent="-288000">
+              <a:spcBef>
+                <a:spcPts val="850"/>
+              </a:spcBef>
+              <a:buClr>
+                <a:srgbClr val="000000"/>
+              </a:buClr>
+              <a:buSzPct val="45000"/>
+              <a:buFont typeface="Wingdings" charset="2"/>
+              <a:buChar char=""/>
+            </a:pPr>
+            <a:r>
+              <a:rPr b="0" lang="en-US" sz="2400" spc="-1" strike="noStrike">
+                <a:latin typeface="Arial"/>
+              </a:rPr>
+              <a:t>Third Outline Level</a:t>
+            </a:r>
+            <a:endParaRPr b="0" lang="en-US" sz="2400" spc="-1" strike="noStrike">
+              <a:latin typeface="Arial"/>
+            </a:endParaRPr>
+          </a:p>
+          <a:p>
+            <a:pPr lvl="3" marL="1728000" indent="-216000">
+              <a:spcBef>
+                <a:spcPts val="567"/>
+              </a:spcBef>
+              <a:buClr>
+                <a:srgbClr val="000000"/>
+              </a:buClr>
+              <a:buSzPct val="75000"/>
+              <a:buFont typeface="Symbol" charset="2"/>
+              <a:buChar char=""/>
+            </a:pPr>
+            <a:r>
+              <a:rPr b="0" lang="en-US" sz="2000" spc="-1" strike="noStrike">
+                <a:latin typeface="Arial"/>
+              </a:rPr>
+              <a:t>Fourth Outline Level</a:t>
+            </a:r>
+            <a:endParaRPr b="0" lang="en-US" sz="2000" spc="-1" strike="noStrike">
+              <a:latin typeface="Arial"/>
+            </a:endParaRPr>
+          </a:p>
+          <a:p>
+            <a:pPr lvl="4" marL="2160000" indent="-216000">
+              <a:spcBef>
+                <a:spcPts val="283"/>
+              </a:spcBef>
+              <a:buClr>
+                <a:srgbClr val="000000"/>
+              </a:buClr>
+              <a:buSzPct val="45000"/>
+              <a:buFont typeface="Wingdings" charset="2"/>
+              <a:buChar char=""/>
+            </a:pPr>
+            <a:r>
+              <a:rPr b="0" lang="en-US" sz="2000" spc="-1" strike="noStrike">
+                <a:latin typeface="Arial"/>
+              </a:rPr>
+              <a:t>Fifth Outline Level</a:t>
+            </a:r>
+            <a:endParaRPr b="0" lang="en-US" sz="2000" spc="-1" strike="noStrike">
+              <a:latin typeface="Arial"/>
+            </a:endParaRPr>
+          </a:p>
+          <a:p>
+            <a:pPr lvl="5" marL="2592000" indent="-216000">
+              <a:spcBef>
+                <a:spcPts val="283"/>
+              </a:spcBef>
+              <a:buClr>
+                <a:srgbClr val="000000"/>
+              </a:buClr>
+              <a:buSzPct val="45000"/>
+              <a:buFont typeface="Wingdings" charset="2"/>
+              <a:buChar char=""/>
+            </a:pPr>
+            <a:r>
+              <a:rPr b="0" lang="en-US" sz="2000" spc="-1" strike="noStrike">
+                <a:latin typeface="Arial"/>
+              </a:rPr>
+              <a:t>Sixth Outline Level</a:t>
+            </a:r>
+            <a:endParaRPr b="0" lang="en-US" sz="2000" spc="-1" strike="noStrike">
+              <a:latin typeface="Arial"/>
+            </a:endParaRPr>
+          </a:p>
+          <a:p>
+            <a:pPr lvl="6" marL="3024000" indent="-216000">
+              <a:spcBef>
+                <a:spcPts val="283"/>
+              </a:spcBef>
+              <a:buClr>
+                <a:srgbClr val="000000"/>
+              </a:buClr>
+              <a:buSzPct val="45000"/>
+              <a:buFont typeface="Wingdings" charset="2"/>
+              <a:buChar char=""/>
+            </a:pPr>
+            <a:r>
+              <a:rPr b="0" lang="en-US" sz="2000" spc="-1" strike="noStrike">
+                <a:latin typeface="Arial"/>
+              </a:rPr>
+              <a:t>Seventh Outline Level</a:t>
+            </a:r>
+            <a:endParaRPr b="0" lang="en-US" sz="2000" spc="-1" strike="noStrike">
+              <a:latin typeface="Arial"/>
+            </a:endParaRPr>
+          </a:p>
+        </p:txBody>
+      </p:sp>
+    </p:spTree>
+  </p:cSld>
+  <p:clrMap bg1="lt1" bg2="lt2" tx1="dk1" tx2="dk2" accent1="accent1" accent2="accent2" accent3="accent3" accent4="accent4" accent5="accent5" accent6="accent6" hlink="hlink" folHlink="folHlink"/>
+  <p:sldLayoutIdLst>
+    <p:sldLayoutId id="2147483675" r:id="rId2"/>
+    <p:sldLayoutId id="2147483676" r:id="rId3"/>
+    <p:sldLayoutId id="2147483677" r:id="rId4"/>
+    <p:sldLayoutId id="2147483678" r:id="rId5"/>
+    <p:sldLayoutId id="2147483679" r:id="rId6"/>
+    <p:sldLayoutId id="2147483680" r:id="rId7"/>
+    <p:sldLayoutId id="2147483681" r:id="rId8"/>
+    <p:sldLayoutId id="2147483682" r:id="rId9"/>
+    <p:sldLayoutId id="2147483683" r:id="rId10"/>
+    <p:sldLayoutId id="2147483684" r:id="rId11"/>
+    <p:sldLayoutId id="2147483685" r:id="rId12"/>
+    <p:sldLayoutId id="2147483686" r:id="rId13"/>
   </p:sldLayoutIdLst>
 </p:sldMaster>
 </file>
@@ -3495,14 +4811,14 @@
       </p:grpSpPr>
       <p:sp>
         <p:nvSpPr>
-          <p:cNvPr id="76" name="CustomShape 1"/>
+          <p:cNvPr id="114" name="CustomShape 1"/>
           <p:cNvSpPr/>
           <p:nvPr/>
         </p:nvSpPr>
         <p:spPr>
           <a:xfrm>
             <a:off x="1523880" y="1122480"/>
-            <a:ext cx="9143280" cy="2386800"/>
+            <a:ext cx="9142920" cy="2386440"/>
           </a:xfrm>
           <a:prstGeom prst="rect">
             <a:avLst/>
@@ -3564,14 +4880,14 @@
       </p:sp>
       <p:sp>
         <p:nvSpPr>
-          <p:cNvPr id="77" name="CustomShape 2"/>
+          <p:cNvPr id="115" name="CustomShape 2"/>
           <p:cNvSpPr/>
           <p:nvPr/>
         </p:nvSpPr>
         <p:spPr>
           <a:xfrm>
             <a:off x="1523880" y="3602160"/>
-            <a:ext cx="9143280" cy="1654920"/>
+            <a:ext cx="9142920" cy="1654560"/>
           </a:xfrm>
           <a:prstGeom prst="rect">
             <a:avLst/>
@@ -3665,14 +4981,14 @@
       </p:grpSpPr>
       <p:sp>
         <p:nvSpPr>
-          <p:cNvPr id="78" name="TextShape 1"/>
-          <p:cNvSpPr txBox="1"/>
+          <p:cNvPr id="116" name="CustomShape 1"/>
+          <p:cNvSpPr/>
           <p:nvPr/>
         </p:nvSpPr>
         <p:spPr>
           <a:xfrm>
-            <a:off x="831960" y="232920"/>
-            <a:ext cx="10514880" cy="1002240"/>
+            <a:off x="609480" y="273600"/>
+            <a:ext cx="10972080" cy="1144440"/>
           </a:xfrm>
           <a:prstGeom prst="rect">
             <a:avLst/>
@@ -3682,36 +4998,65 @@
             <a:noFill/>
           </a:ln>
         </p:spPr>
+        <p:style>
+          <a:lnRef idx="0"/>
+          <a:fillRef idx="0"/>
+          <a:effectRef idx="0"/>
+          <a:fontRef idx="minor"/>
+        </p:style>
         <p:txBody>
           <a:bodyPr lIns="0" rIns="0" tIns="0" bIns="0" anchor="ctr"/>
           <a:p>
             <a:pPr>
               <a:lnSpc>
-                <a:spcPct val="90000"/>
+                <a:spcPct val="100000"/>
               </a:lnSpc>
             </a:pPr>
             <a:r>
-              <a:rPr b="0" lang="de-DE" sz="4400" spc="-1" strike="noStrike">
+              <a:rPr b="0" lang="en-US" sz="4400" spc="-1" strike="noStrike">
                 <a:solidFill>
                   <a:srgbClr val="000000"/>
                 </a:solidFill>
                 <a:latin typeface="Arial"/>
                 <a:ea typeface="DejaVu Sans"/>
               </a:rPr>
-              <a:t>Projektplan und Fortschritt</a:t>
+              <a:t>Was war unser Projekt?</a:t>
             </a:r>
-            <a:endParaRPr b="0" lang="de-DE" sz="4400" spc="-1" strike="noStrike">
-              <a:solidFill>
-                <a:srgbClr val="000000"/>
-              </a:solidFill>
-              <a:latin typeface="Arial"/>
-            </a:endParaRPr>
-          </a:p>
-        </p:txBody>
+            <a:endParaRPr b="0" lang="en-US" sz="4400" spc="-1" strike="noStrike">
+              <a:latin typeface="Arial"/>
+            </a:endParaRPr>
+          </a:p>
+        </p:txBody>
+      </p:sp>
+      <p:sp>
+        <p:nvSpPr>
+          <p:cNvPr id="117" name="CustomShape 2"/>
+          <p:cNvSpPr/>
+          <p:nvPr/>
+        </p:nvSpPr>
+        <p:spPr>
+          <a:xfrm>
+            <a:off x="609480" y="1604520"/>
+            <a:ext cx="10972080" cy="3976920"/>
+          </a:xfrm>
+          <a:prstGeom prst="rect">
+            <a:avLst/>
+          </a:prstGeom>
+          <a:noFill/>
+          <a:ln>
+            <a:noFill/>
+          </a:ln>
+        </p:spPr>
+        <p:style>
+          <a:lnRef idx="0"/>
+          <a:fillRef idx="0"/>
+          <a:effectRef idx="0"/>
+          <a:fontRef idx="minor"/>
+        </p:style>
       </p:sp>
       <p:pic>
         <p:nvPicPr>
-          <p:cNvPr id="79" name="Grafik 3" descr=""/>
+          <p:cNvPr id="118" name="Grafik 3" descr=""/>
           <p:cNvPicPr/>
           <p:nvPr/>
         </p:nvPicPr>
@@ -3721,8 +5066,8 @@
         </p:blipFill>
         <p:spPr>
           <a:xfrm>
-            <a:off x="0" y="2235240"/>
-            <a:ext cx="12040200" cy="3200040"/>
+            <a:off x="1287360" y="1599480"/>
+            <a:ext cx="8449200" cy="4976280"/>
           </a:xfrm>
           <a:prstGeom prst="rect">
             <a:avLst/>
@@ -3783,14 +5128,14 @@
       </p:grpSpPr>
       <p:sp>
         <p:nvSpPr>
-          <p:cNvPr id="80" name="TextShape 1"/>
-          <p:cNvSpPr txBox="1"/>
+          <p:cNvPr id="119" name="CustomShape 1"/>
+          <p:cNvSpPr/>
           <p:nvPr/>
         </p:nvSpPr>
         <p:spPr>
           <a:xfrm>
-            <a:off x="609480" y="273600"/>
-            <a:ext cx="10972440" cy="1144800"/>
+            <a:off x="831960" y="232920"/>
+            <a:ext cx="10514520" cy="1001880"/>
           </a:xfrm>
           <a:prstGeom prst="rect">
             <a:avLst/>
@@ -3800,56 +5145,31 @@
             <a:noFill/>
           </a:ln>
         </p:spPr>
+        <p:style>
+          <a:lnRef idx="0"/>
+          <a:fillRef idx="0"/>
+          <a:effectRef idx="0"/>
+          <a:fontRef idx="minor"/>
+        </p:style>
         <p:txBody>
           <a:bodyPr lIns="0" rIns="0" tIns="0" bIns="0" anchor="ctr"/>
           <a:p>
+            <a:pPr>
+              <a:lnSpc>
+                <a:spcPct val="90000"/>
+              </a:lnSpc>
+            </a:pPr>
             <a:r>
-              <a:rPr b="0" lang="de-DE" sz="4400" spc="-1" strike="noStrike">
+              <a:rPr b="0" lang="en-US" sz="4400" spc="-1" strike="noStrike">
                 <a:solidFill>
                   <a:srgbClr val="000000"/>
                 </a:solidFill>
                 <a:latin typeface="Arial"/>
                 <a:ea typeface="DejaVu Sans"/>
               </a:rPr>
-              <a:t>µController und Sensoren auslesen</a:t>
+              <a:t>Projektplan und Fortschritt</a:t>
             </a:r>
-            <a:endParaRPr b="0" lang="de-DE" sz="4400" spc="-1" strike="noStrike">
-              <a:solidFill>
-                <a:srgbClr val="000000"/>
-              </a:solidFill>
-              <a:latin typeface="Arial"/>
-            </a:endParaRPr>
-          </a:p>
-        </p:txBody>
-      </p:sp>
-      <p:sp>
-        <p:nvSpPr>
-          <p:cNvPr id="81" name="TextShape 2"/>
-          <p:cNvSpPr txBox="1"/>
-          <p:nvPr/>
-        </p:nvSpPr>
-        <p:spPr>
-          <a:xfrm>
-            <a:off x="609480" y="1604520"/>
-            <a:ext cx="10972440" cy="3977280"/>
-          </a:xfrm>
-          <a:prstGeom prst="rect">
-            <a:avLst/>
-          </a:prstGeom>
-          <a:noFill/>
-          <a:ln>
-            <a:noFill/>
-          </a:ln>
-        </p:spPr>
-        <p:txBody>
-          <a:bodyPr lIns="0" rIns="0" tIns="0" bIns="0">
-            <a:normAutofit/>
-          </a:bodyPr>
-          <a:p>
-            <a:endParaRPr b="0" lang="de-DE" sz="2800" spc="-1" strike="noStrike">
-              <a:solidFill>
-                <a:srgbClr val="000000"/>
-              </a:solidFill>
+            <a:endParaRPr b="0" lang="en-US" sz="4400" spc="-1" strike="noStrike">
               <a:latin typeface="Arial"/>
             </a:endParaRPr>
           </a:p>
@@ -3857,7 +5177,7 @@
       </p:sp>
       <p:pic>
         <p:nvPicPr>
-          <p:cNvPr id="82" name="" descr=""/>
+          <p:cNvPr id="120" name="Grafik 3" descr=""/>
           <p:cNvPicPr/>
           <p:nvPr/>
         </p:nvPicPr>
@@ -3867,54 +5187,8 @@
         </p:blipFill>
         <p:spPr>
           <a:xfrm>
-            <a:off x="726120" y="1360440"/>
-            <a:ext cx="4485960" cy="2114280"/>
-          </a:xfrm>
-          <a:prstGeom prst="rect">
-            <a:avLst/>
-          </a:prstGeom>
-          <a:ln>
-            <a:noFill/>
-          </a:ln>
-        </p:spPr>
-      </p:pic>
-      <p:pic>
-        <p:nvPicPr>
-          <p:cNvPr id="83" name="" descr=""/>
-          <p:cNvPicPr/>
-          <p:nvPr/>
-        </p:nvPicPr>
-        <p:blipFill>
-          <a:blip r:embed="rId2"/>
-          <a:stretch/>
-        </p:blipFill>
-        <p:spPr>
-          <a:xfrm>
-            <a:off x="7680960" y="1604520"/>
-            <a:ext cx="3890880" cy="1554480"/>
-          </a:xfrm>
-          <a:prstGeom prst="rect">
-            <a:avLst/>
-          </a:prstGeom>
-          <a:ln>
-            <a:noFill/>
-          </a:ln>
-        </p:spPr>
-      </p:pic>
-      <p:pic>
-        <p:nvPicPr>
-          <p:cNvPr id="84" name="" descr=""/>
-          <p:cNvPicPr/>
-          <p:nvPr/>
-        </p:nvPicPr>
-        <p:blipFill>
-          <a:blip r:embed="rId3"/>
-          <a:stretch/>
-        </p:blipFill>
-        <p:spPr>
-          <a:xfrm>
-            <a:off x="5303520" y="3356640"/>
-            <a:ext cx="4396320" cy="3227040"/>
+            <a:off x="0" y="2235240"/>
+            <a:ext cx="12039840" cy="3199680"/>
           </a:xfrm>
           <a:prstGeom prst="rect">
             <a:avLst/>
@@ -3975,14 +5249,14 @@
       </p:grpSpPr>
       <p:sp>
         <p:nvSpPr>
-          <p:cNvPr id="85" name="TextShape 1"/>
-          <p:cNvSpPr txBox="1"/>
+          <p:cNvPr id="121" name="CustomShape 1"/>
+          <p:cNvSpPr/>
           <p:nvPr/>
         </p:nvSpPr>
         <p:spPr>
           <a:xfrm>
             <a:off x="609480" y="273600"/>
-            <a:ext cx="10972440" cy="1144800"/>
+            <a:ext cx="10972080" cy="1144440"/>
           </a:xfrm>
           <a:prstGeom prst="rect">
             <a:avLst/>
@@ -3992,38 +5266,46 @@
             <a:noFill/>
           </a:ln>
         </p:spPr>
+        <p:style>
+          <a:lnRef idx="0"/>
+          <a:fillRef idx="0"/>
+          <a:effectRef idx="0"/>
+          <a:fontRef idx="minor"/>
+        </p:style>
         <p:txBody>
           <a:bodyPr lIns="0" rIns="0" tIns="0" bIns="0" anchor="ctr"/>
           <a:p>
+            <a:pPr>
+              <a:lnSpc>
+                <a:spcPct val="100000"/>
+              </a:lnSpc>
+            </a:pPr>
             <a:r>
-              <a:rPr b="0" lang="de-DE" sz="4400" spc="-1" strike="noStrike">
+              <a:rPr b="0" lang="en-US" sz="4400" spc="-1" strike="noStrike">
                 <a:solidFill>
                   <a:srgbClr val="000000"/>
                 </a:solidFill>
                 <a:latin typeface="Arial"/>
                 <a:ea typeface="DejaVu Sans"/>
               </a:rPr>
-              <a:t>MQTT-SN auf dem µController</a:t>
+              <a:t>µController und Sensoren auslesen</a:t>
             </a:r>
-            <a:endParaRPr b="0" lang="de-DE" sz="4400" spc="-1" strike="noStrike">
-              <a:solidFill>
-                <a:srgbClr val="000000"/>
-              </a:solidFill>
-              <a:latin typeface="Arial"/>
-            </a:endParaRPr>
-          </a:p>
-        </p:txBody>
-      </p:sp>
-      <p:sp>
-        <p:nvSpPr>
-          <p:cNvPr id="86" name="TextShape 2"/>
-          <p:cNvSpPr txBox="1"/>
+            <a:endParaRPr b="0" lang="en-US" sz="4400" spc="-1" strike="noStrike">
+              <a:latin typeface="Arial"/>
+            </a:endParaRPr>
+          </a:p>
+        </p:txBody>
+      </p:sp>
+      <p:sp>
+        <p:nvSpPr>
+          <p:cNvPr id="122" name="CustomShape 2"/>
+          <p:cNvSpPr/>
           <p:nvPr/>
         </p:nvSpPr>
         <p:spPr>
           <a:xfrm>
             <a:off x="609480" y="1604520"/>
-            <a:ext cx="10972440" cy="3977280"/>
+            <a:ext cx="10972080" cy="3976920"/>
           </a:xfrm>
           <a:prstGeom prst="rect">
             <a:avLst/>
@@ -4033,20 +5315,36 @@
             <a:noFill/>
           </a:ln>
         </p:spPr>
-        <p:txBody>
-          <a:bodyPr lIns="0" rIns="0" tIns="0" bIns="0">
-            <a:normAutofit/>
-          </a:bodyPr>
-          <a:p>
-            <a:endParaRPr b="0" lang="de-DE" sz="2800" spc="-1" strike="noStrike">
-              <a:solidFill>
-                <a:srgbClr val="000000"/>
-              </a:solidFill>
-              <a:latin typeface="Arial"/>
-            </a:endParaRPr>
-          </a:p>
-        </p:txBody>
-      </p:sp>
+        <p:style>
+          <a:lnRef idx="0"/>
+          <a:fillRef idx="0"/>
+          <a:effectRef idx="0"/>
+          <a:fontRef idx="minor"/>
+        </p:style>
+      </p:sp>
+      <p:pic>
+        <p:nvPicPr>
+          <p:cNvPr id="123" name="" descr=""/>
+          <p:cNvPicPr/>
+          <p:nvPr/>
+        </p:nvPicPr>
+        <p:blipFill>
+          <a:blip r:embed="rId1"/>
+          <a:stretch/>
+        </p:blipFill>
+        <p:spPr>
+          <a:xfrm>
+            <a:off x="609480" y="1418040"/>
+            <a:ext cx="9996840" cy="4617000"/>
+          </a:xfrm>
+          <a:prstGeom prst="rect">
+            <a:avLst/>
+          </a:prstGeom>
+          <a:ln>
+            <a:noFill/>
+          </a:ln>
+        </p:spPr>
+      </p:pic>
     </p:spTree>
   </p:cSld>
   <p:timing>
@@ -4098,14 +5396,14 @@
       </p:grpSpPr>
       <p:sp>
         <p:nvSpPr>
-          <p:cNvPr id="87" name="TextShape 1"/>
-          <p:cNvSpPr txBox="1"/>
+          <p:cNvPr id="124" name="CustomShape 1"/>
+          <p:cNvSpPr/>
           <p:nvPr/>
         </p:nvSpPr>
         <p:spPr>
           <a:xfrm>
             <a:off x="609480" y="273600"/>
-            <a:ext cx="10972440" cy="1144800"/>
+            <a:ext cx="10972080" cy="1144440"/>
           </a:xfrm>
           <a:prstGeom prst="rect">
             <a:avLst/>
@@ -4115,38 +5413,46 @@
             <a:noFill/>
           </a:ln>
         </p:spPr>
+        <p:style>
+          <a:lnRef idx="0"/>
+          <a:fillRef idx="0"/>
+          <a:effectRef idx="0"/>
+          <a:fontRef idx="minor"/>
+        </p:style>
         <p:txBody>
           <a:bodyPr lIns="0" rIns="0" tIns="0" bIns="0" anchor="ctr"/>
           <a:p>
+            <a:pPr>
+              <a:lnSpc>
+                <a:spcPct val="100000"/>
+              </a:lnSpc>
+            </a:pPr>
             <a:r>
-              <a:rPr b="0" lang="de-DE" sz="4400" spc="-1" strike="noStrike">
+              <a:rPr b="0" lang="en-US" sz="4400" spc="-1" strike="noStrike">
                 <a:solidFill>
                   <a:srgbClr val="000000"/>
                 </a:solidFill>
                 <a:latin typeface="Arial"/>
                 <a:ea typeface="DejaVu Sans"/>
               </a:rPr>
-              <a:t>Cayenne-Cloud und MQTT-SN Gateway</a:t>
+              <a:t>µController und Sensoren auslesen</a:t>
             </a:r>
-            <a:endParaRPr b="0" lang="de-DE" sz="4400" spc="-1" strike="noStrike">
-              <a:solidFill>
-                <a:srgbClr val="000000"/>
-              </a:solidFill>
-              <a:latin typeface="Arial"/>
-            </a:endParaRPr>
-          </a:p>
-        </p:txBody>
-      </p:sp>
-      <p:sp>
-        <p:nvSpPr>
-          <p:cNvPr id="88" name="TextShape 2"/>
-          <p:cNvSpPr txBox="1"/>
+            <a:endParaRPr b="0" lang="en-US" sz="4400" spc="-1" strike="noStrike">
+              <a:latin typeface="Arial"/>
+            </a:endParaRPr>
+          </a:p>
+        </p:txBody>
+      </p:sp>
+      <p:sp>
+        <p:nvSpPr>
+          <p:cNvPr id="125" name="CustomShape 2"/>
+          <p:cNvSpPr/>
           <p:nvPr/>
         </p:nvSpPr>
         <p:spPr>
           <a:xfrm>
             <a:off x="609480" y="1604520"/>
-            <a:ext cx="10972440" cy="3977280"/>
+            <a:ext cx="10972080" cy="3976920"/>
           </a:xfrm>
           <a:prstGeom prst="rect">
             <a:avLst/>
@@ -4156,23 +5462,16 @@
             <a:noFill/>
           </a:ln>
         </p:spPr>
-        <p:txBody>
-          <a:bodyPr lIns="0" rIns="0" tIns="0" bIns="0">
-            <a:normAutofit/>
-          </a:bodyPr>
-          <a:p>
-            <a:endParaRPr b="0" lang="de-DE" sz="2800" spc="-1" strike="noStrike">
-              <a:solidFill>
-                <a:srgbClr val="000000"/>
-              </a:solidFill>
-              <a:latin typeface="Arial"/>
-            </a:endParaRPr>
-          </a:p>
-        </p:txBody>
+        <p:style>
+          <a:lnRef idx="0"/>
+          <a:fillRef idx="0"/>
+          <a:effectRef idx="0"/>
+          <a:fontRef idx="minor"/>
+        </p:style>
       </p:sp>
       <p:pic>
         <p:nvPicPr>
-          <p:cNvPr id="89" name="" descr=""/>
+          <p:cNvPr id="126" name="" descr=""/>
           <p:cNvPicPr/>
           <p:nvPr/>
         </p:nvPicPr>
@@ -4182,8 +5481,8 @@
         </p:blipFill>
         <p:spPr>
           <a:xfrm>
-            <a:off x="46800" y="1463040"/>
-            <a:ext cx="5531040" cy="4543920"/>
+            <a:off x="726120" y="1360440"/>
+            <a:ext cx="4485600" cy="2113920"/>
           </a:xfrm>
           <a:prstGeom prst="rect">
             <a:avLst/>
@@ -4195,7 +5494,7 @@
       </p:pic>
       <p:pic>
         <p:nvPicPr>
-          <p:cNvPr id="90" name="" descr=""/>
+          <p:cNvPr id="127" name="" descr=""/>
           <p:cNvPicPr/>
           <p:nvPr/>
         </p:nvPicPr>
@@ -4205,8 +5504,31 @@
         </p:blipFill>
         <p:spPr>
           <a:xfrm>
-            <a:off x="5847120" y="1554480"/>
-            <a:ext cx="6222960" cy="4023360"/>
+            <a:off x="7680960" y="1604520"/>
+            <a:ext cx="3890520" cy="1554120"/>
+          </a:xfrm>
+          <a:prstGeom prst="rect">
+            <a:avLst/>
+          </a:prstGeom>
+          <a:ln>
+            <a:noFill/>
+          </a:ln>
+        </p:spPr>
+      </p:pic>
+      <p:pic>
+        <p:nvPicPr>
+          <p:cNvPr id="128" name="" descr=""/>
+          <p:cNvPicPr/>
+          <p:nvPr/>
+        </p:nvPicPr>
+        <p:blipFill>
+          <a:blip r:embed="rId3"/>
+          <a:stretch/>
+        </p:blipFill>
+        <p:spPr>
+          <a:xfrm>
+            <a:off x="5303520" y="3356640"/>
+            <a:ext cx="4395960" cy="3226680"/>
           </a:xfrm>
           <a:prstGeom prst="rect">
             <a:avLst/>
@@ -4267,14 +5589,546 @@
       </p:grpSpPr>
       <p:sp>
         <p:nvSpPr>
-          <p:cNvPr id="91" name="CustomShape 1"/>
+          <p:cNvPr id="129" name="CustomShape 1"/>
           <p:cNvSpPr/>
           <p:nvPr/>
         </p:nvSpPr>
         <p:spPr>
           <a:xfrm>
+            <a:off x="609480" y="273600"/>
+            <a:ext cx="10972080" cy="1144440"/>
+          </a:xfrm>
+          <a:prstGeom prst="rect">
+            <a:avLst/>
+          </a:prstGeom>
+          <a:noFill/>
+          <a:ln>
+            <a:noFill/>
+          </a:ln>
+        </p:spPr>
+        <p:style>
+          <a:lnRef idx="0"/>
+          <a:fillRef idx="0"/>
+          <a:effectRef idx="0"/>
+          <a:fontRef idx="minor"/>
+        </p:style>
+        <p:txBody>
+          <a:bodyPr lIns="0" rIns="0" tIns="0" bIns="0" anchor="ctr"/>
+          <a:p>
+            <a:pPr>
+              <a:lnSpc>
+                <a:spcPct val="100000"/>
+              </a:lnSpc>
+            </a:pPr>
+            <a:r>
+              <a:rPr b="0" lang="en-US" sz="4400" spc="-1" strike="noStrike">
+                <a:solidFill>
+                  <a:srgbClr val="000000"/>
+                </a:solidFill>
+                <a:latin typeface="Arial"/>
+                <a:ea typeface="DejaVu Sans"/>
+              </a:rPr>
+              <a:t>MQTT-SN auf dem µController</a:t>
+            </a:r>
+            <a:endParaRPr b="0" lang="en-US" sz="4400" spc="-1" strike="noStrike">
+              <a:latin typeface="Arial"/>
+            </a:endParaRPr>
+          </a:p>
+        </p:txBody>
+      </p:sp>
+      <p:sp>
+        <p:nvSpPr>
+          <p:cNvPr id="130" name="CustomShape 2"/>
+          <p:cNvSpPr/>
+          <p:nvPr/>
+        </p:nvSpPr>
+        <p:spPr>
+          <a:xfrm>
+            <a:off x="609480" y="1604520"/>
+            <a:ext cx="10972080" cy="3976920"/>
+          </a:xfrm>
+          <a:prstGeom prst="rect">
+            <a:avLst/>
+          </a:prstGeom>
+          <a:noFill/>
+          <a:ln>
+            <a:noFill/>
+          </a:ln>
+        </p:spPr>
+        <p:style>
+          <a:lnRef idx="0"/>
+          <a:fillRef idx="0"/>
+          <a:effectRef idx="0"/>
+          <a:fontRef idx="minor"/>
+        </p:style>
+      </p:sp>
+      <p:sp>
+        <p:nvSpPr>
+          <p:cNvPr id="131" name="TextShape 3"/>
+          <p:cNvSpPr txBox="1"/>
+          <p:nvPr/>
+        </p:nvSpPr>
+        <p:spPr>
+          <a:xfrm>
+            <a:off x="609480" y="1604520"/>
+            <a:ext cx="10972080" cy="3976920"/>
+          </a:xfrm>
+          <a:prstGeom prst="rect">
+            <a:avLst/>
+          </a:prstGeom>
+          <a:noFill/>
+          <a:ln>
+            <a:noFill/>
+          </a:ln>
+        </p:spPr>
+        <p:txBody>
+          <a:bodyPr lIns="0" rIns="0" tIns="0" bIns="0">
+            <a:normAutofit/>
+          </a:bodyPr>
+          <a:p>
+            <a:pPr marL="432000" indent="-324000">
+              <a:spcBef>
+                <a:spcPts val="1417"/>
+              </a:spcBef>
+              <a:buClr>
+                <a:srgbClr val="000000"/>
+              </a:buClr>
+              <a:buSzPct val="45000"/>
+              <a:buFont typeface="Wingdings" charset="2"/>
+              <a:buChar char=""/>
+            </a:pPr>
+            <a:r>
+              <a:rPr b="0" lang="en-US" sz="3200" spc="-1" strike="noStrike">
+                <a:latin typeface="Arial"/>
+              </a:rPr>
+              <a:t>Auf native läuft schon</a:t>
+            </a:r>
+            <a:endParaRPr b="0" lang="en-US" sz="3200" spc="-1" strike="noStrike">
+              <a:latin typeface="Arial"/>
+            </a:endParaRPr>
+          </a:p>
+          <a:p>
+            <a:pPr marL="432000" indent="-324000">
+              <a:spcBef>
+                <a:spcPts val="1417"/>
+              </a:spcBef>
+              <a:buClr>
+                <a:srgbClr val="000000"/>
+              </a:buClr>
+              <a:buSzPct val="45000"/>
+              <a:buFont typeface="Wingdings" charset="2"/>
+              <a:buChar char=""/>
+            </a:pPr>
+            <a:r>
+              <a:rPr b="0" lang="en-US" sz="3200" spc="-1" strike="noStrike">
+                <a:latin typeface="Arial"/>
+              </a:rPr>
+              <a:t>Ping6 zu Rpi geht</a:t>
+            </a:r>
+            <a:endParaRPr b="0" lang="en-US" sz="3200" spc="-1" strike="noStrike">
+              <a:latin typeface="Arial"/>
+            </a:endParaRPr>
+          </a:p>
+          <a:p>
+            <a:pPr marL="432000" indent="-324000">
+              <a:spcBef>
+                <a:spcPts val="1417"/>
+              </a:spcBef>
+              <a:buClr>
+                <a:srgbClr val="000000"/>
+              </a:buClr>
+              <a:buSzPct val="45000"/>
+              <a:buFont typeface="Wingdings" charset="2"/>
+              <a:buChar char=""/>
+            </a:pPr>
+            <a:r>
+              <a:rPr b="0" lang="en-US" sz="3200" spc="-1" strike="noStrike">
+                <a:latin typeface="Arial"/>
+              </a:rPr>
+              <a:t>MQTT-SN zu Rpi steht noch nicht</a:t>
+            </a:r>
+            <a:endParaRPr b="0" lang="en-US" sz="3200" spc="-1" strike="noStrike">
+              <a:latin typeface="Arial"/>
+            </a:endParaRPr>
+          </a:p>
+        </p:txBody>
+      </p:sp>
+    </p:spTree>
+  </p:cSld>
+  <p:timing>
+    <p:tnLst>
+      <p:par>
+        <p:cTn id="11" dur="indefinite" restart="never" nodeType="tmRoot">
+          <p:childTnLst>
+            <p:seq>
+              <p:cTn id="12" dur="indefinite" nodeType="mainSeq"/>
+              <p:prevCondLst>
+                <p:cond delay="0" evt="onPrev">
+                  <p:tgtEl>
+                    <p:sldTgt/>
+                  </p:tgtEl>
+                </p:cond>
+              </p:prevCondLst>
+              <p:nextCondLst>
+                <p:cond delay="0" evt="onNext">
+                  <p:tgtEl>
+                    <p:sldTgt/>
+                  </p:tgtEl>
+                </p:cond>
+              </p:nextCondLst>
+            </p:seq>
+          </p:childTnLst>
+        </p:cTn>
+      </p:par>
+    </p:tnLst>
+  </p:timing>
+</p:sld>
+</file>
+
+<file path=ppt/slides/slide7.xml><?xml version="1.0" encoding="utf-8"?>
+<p:sld xmlns:a="http://schemas.openxmlformats.org/drawingml/2006/main" xmlns:p="http://schemas.openxmlformats.org/presentationml/2006/main" xmlns:r="http://schemas.openxmlformats.org/officeDocument/2006/relationships" xmlns:p14="http://schemas.microsoft.com/office/powerpoint/2010/main" xmlns:p15="http://schemas.microsoft.com/office/powerpoint/2012/main" xmlns:mc="http://schemas.openxmlformats.org/markup-compatibility/2006">
+  <p:cSld>
+    <p:spTree>
+      <p:nvGrpSpPr>
+        <p:cNvPr id="1" name=""/>
+        <p:cNvGrpSpPr/>
+        <p:nvPr/>
+      </p:nvGrpSpPr>
+      <p:grpSpPr>
+        <a:xfrm>
+          <a:off x="0" y="0"/>
+          <a:ext cx="0" cy="0"/>
+          <a:chOff x="0" y="0"/>
+          <a:chExt cx="0" cy="0"/>
+        </a:xfrm>
+      </p:grpSpPr>
+      <p:sp>
+        <p:nvSpPr>
+          <p:cNvPr id="132" name="CustomShape 1"/>
+          <p:cNvSpPr/>
+          <p:nvPr/>
+        </p:nvSpPr>
+        <p:spPr>
+          <a:xfrm>
+            <a:off x="609480" y="273600"/>
+            <a:ext cx="10972080" cy="1144440"/>
+          </a:xfrm>
+          <a:prstGeom prst="rect">
+            <a:avLst/>
+          </a:prstGeom>
+          <a:noFill/>
+          <a:ln>
+            <a:noFill/>
+          </a:ln>
+        </p:spPr>
+        <p:style>
+          <a:lnRef idx="0"/>
+          <a:fillRef idx="0"/>
+          <a:effectRef idx="0"/>
+          <a:fontRef idx="minor"/>
+        </p:style>
+        <p:txBody>
+          <a:bodyPr lIns="0" rIns="0" tIns="0" bIns="0" anchor="ctr"/>
+          <a:p>
+            <a:pPr>
+              <a:lnSpc>
+                <a:spcPct val="100000"/>
+              </a:lnSpc>
+            </a:pPr>
+            <a:r>
+              <a:rPr b="0" lang="en-US" sz="4400" spc="-1" strike="noStrike">
+                <a:solidFill>
+                  <a:srgbClr val="000000"/>
+                </a:solidFill>
+                <a:latin typeface="Arial"/>
+                <a:ea typeface="DejaVu Sans"/>
+              </a:rPr>
+              <a:t>Cayenne-Cloud und MQTT-SN Gateway</a:t>
+            </a:r>
+            <a:endParaRPr b="0" lang="en-US" sz="4400" spc="-1" strike="noStrike">
+              <a:latin typeface="Arial"/>
+            </a:endParaRPr>
+          </a:p>
+        </p:txBody>
+      </p:sp>
+      <p:sp>
+        <p:nvSpPr>
+          <p:cNvPr id="133" name="CustomShape 2"/>
+          <p:cNvSpPr/>
+          <p:nvPr/>
+        </p:nvSpPr>
+        <p:spPr>
+          <a:xfrm>
+            <a:off x="609480" y="1604520"/>
+            <a:ext cx="10972080" cy="3976920"/>
+          </a:xfrm>
+          <a:prstGeom prst="rect">
+            <a:avLst/>
+          </a:prstGeom>
+          <a:noFill/>
+          <a:ln>
+            <a:noFill/>
+          </a:ln>
+        </p:spPr>
+        <p:style>
+          <a:lnRef idx="0"/>
+          <a:fillRef idx="0"/>
+          <a:effectRef idx="0"/>
+          <a:fontRef idx="minor"/>
+        </p:style>
+      </p:sp>
+      <p:pic>
+        <p:nvPicPr>
+          <p:cNvPr id="134" name="" descr=""/>
+          <p:cNvPicPr/>
+          <p:nvPr/>
+        </p:nvPicPr>
+        <p:blipFill>
+          <a:blip r:embed="rId1"/>
+          <a:stretch/>
+        </p:blipFill>
+        <p:spPr>
+          <a:xfrm>
+            <a:off x="650160" y="2468880"/>
+            <a:ext cx="10048320" cy="2286000"/>
+          </a:xfrm>
+          <a:prstGeom prst="rect">
+            <a:avLst/>
+          </a:prstGeom>
+          <a:ln>
+            <a:noFill/>
+          </a:ln>
+        </p:spPr>
+      </p:pic>
+    </p:spTree>
+  </p:cSld>
+  <p:timing>
+    <p:tnLst>
+      <p:par>
+        <p:cTn id="13" dur="indefinite" restart="never" nodeType="tmRoot">
+          <p:childTnLst>
+            <p:seq>
+              <p:cTn id="14" dur="indefinite" nodeType="mainSeq"/>
+              <p:prevCondLst>
+                <p:cond delay="0" evt="onPrev">
+                  <p:tgtEl>
+                    <p:sldTgt/>
+                  </p:tgtEl>
+                </p:cond>
+              </p:prevCondLst>
+              <p:nextCondLst>
+                <p:cond delay="0" evt="onNext">
+                  <p:tgtEl>
+                    <p:sldTgt/>
+                  </p:tgtEl>
+                </p:cond>
+              </p:nextCondLst>
+            </p:seq>
+          </p:childTnLst>
+        </p:cTn>
+      </p:par>
+    </p:tnLst>
+  </p:timing>
+</p:sld>
+</file>
+
+<file path=ppt/slides/slide8.xml><?xml version="1.0" encoding="utf-8"?>
+<p:sld xmlns:a="http://schemas.openxmlformats.org/drawingml/2006/main" xmlns:p="http://schemas.openxmlformats.org/presentationml/2006/main" xmlns:r="http://schemas.openxmlformats.org/officeDocument/2006/relationships" xmlns:p14="http://schemas.microsoft.com/office/powerpoint/2010/main" xmlns:p15="http://schemas.microsoft.com/office/powerpoint/2012/main" xmlns:mc="http://schemas.openxmlformats.org/markup-compatibility/2006">
+  <p:cSld>
+    <p:spTree>
+      <p:nvGrpSpPr>
+        <p:cNvPr id="1" name=""/>
+        <p:cNvGrpSpPr/>
+        <p:nvPr/>
+      </p:nvGrpSpPr>
+      <p:grpSpPr>
+        <a:xfrm>
+          <a:off x="0" y="0"/>
+          <a:ext cx="0" cy="0"/>
+          <a:chOff x="0" y="0"/>
+          <a:chExt cx="0" cy="0"/>
+        </a:xfrm>
+      </p:grpSpPr>
+      <p:sp>
+        <p:nvSpPr>
+          <p:cNvPr id="135" name="CustomShape 1"/>
+          <p:cNvSpPr/>
+          <p:nvPr/>
+        </p:nvSpPr>
+        <p:spPr>
+          <a:xfrm>
+            <a:off x="609480" y="273600"/>
+            <a:ext cx="10972080" cy="1144440"/>
+          </a:xfrm>
+          <a:prstGeom prst="rect">
+            <a:avLst/>
+          </a:prstGeom>
+          <a:noFill/>
+          <a:ln>
+            <a:noFill/>
+          </a:ln>
+        </p:spPr>
+        <p:style>
+          <a:lnRef idx="0"/>
+          <a:fillRef idx="0"/>
+          <a:effectRef idx="0"/>
+          <a:fontRef idx="minor"/>
+        </p:style>
+        <p:txBody>
+          <a:bodyPr lIns="0" rIns="0" tIns="0" bIns="0" anchor="ctr"/>
+          <a:p>
+            <a:pPr>
+              <a:lnSpc>
+                <a:spcPct val="100000"/>
+              </a:lnSpc>
+            </a:pPr>
+            <a:r>
+              <a:rPr b="0" lang="en-US" sz="4400" spc="-1" strike="noStrike">
+                <a:solidFill>
+                  <a:srgbClr val="000000"/>
+                </a:solidFill>
+                <a:latin typeface="Arial"/>
+                <a:ea typeface="DejaVu Sans"/>
+              </a:rPr>
+              <a:t>Cayenne-Cloud und MQTT-SN Gateway</a:t>
+            </a:r>
+            <a:endParaRPr b="0" lang="en-US" sz="4400" spc="-1" strike="noStrike">
+              <a:latin typeface="Arial"/>
+            </a:endParaRPr>
+          </a:p>
+        </p:txBody>
+      </p:sp>
+      <p:sp>
+        <p:nvSpPr>
+          <p:cNvPr id="136" name="CustomShape 2"/>
+          <p:cNvSpPr/>
+          <p:nvPr/>
+        </p:nvSpPr>
+        <p:spPr>
+          <a:xfrm>
+            <a:off x="609480" y="1604520"/>
+            <a:ext cx="10972080" cy="3976920"/>
+          </a:xfrm>
+          <a:prstGeom prst="rect">
+            <a:avLst/>
+          </a:prstGeom>
+          <a:noFill/>
+          <a:ln>
+            <a:noFill/>
+          </a:ln>
+        </p:spPr>
+        <p:style>
+          <a:lnRef idx="0"/>
+          <a:fillRef idx="0"/>
+          <a:effectRef idx="0"/>
+          <a:fontRef idx="minor"/>
+        </p:style>
+      </p:sp>
+      <p:pic>
+        <p:nvPicPr>
+          <p:cNvPr id="137" name="" descr=""/>
+          <p:cNvPicPr/>
+          <p:nvPr/>
+        </p:nvPicPr>
+        <p:blipFill>
+          <a:blip r:embed="rId1"/>
+          <a:stretch/>
+        </p:blipFill>
+        <p:spPr>
+          <a:xfrm>
+            <a:off x="46800" y="1463040"/>
+            <a:ext cx="5530680" cy="4543560"/>
+          </a:xfrm>
+          <a:prstGeom prst="rect">
+            <a:avLst/>
+          </a:prstGeom>
+          <a:ln>
+            <a:noFill/>
+          </a:ln>
+        </p:spPr>
+      </p:pic>
+      <p:pic>
+        <p:nvPicPr>
+          <p:cNvPr id="138" name="" descr=""/>
+          <p:cNvPicPr/>
+          <p:nvPr/>
+        </p:nvPicPr>
+        <p:blipFill>
+          <a:blip r:embed="rId2"/>
+          <a:stretch/>
+        </p:blipFill>
+        <p:spPr>
+          <a:xfrm>
+            <a:off x="5847120" y="1554480"/>
+            <a:ext cx="6222600" cy="4023000"/>
+          </a:xfrm>
+          <a:prstGeom prst="rect">
+            <a:avLst/>
+          </a:prstGeom>
+          <a:ln>
+            <a:noFill/>
+          </a:ln>
+        </p:spPr>
+      </p:pic>
+    </p:spTree>
+  </p:cSld>
+  <p:timing>
+    <p:tnLst>
+      <p:par>
+        <p:cTn id="15" dur="indefinite" restart="never" nodeType="tmRoot">
+          <p:childTnLst>
+            <p:seq>
+              <p:cTn id="16" dur="indefinite" nodeType="mainSeq"/>
+              <p:prevCondLst>
+                <p:cond delay="0" evt="onPrev">
+                  <p:tgtEl>
+                    <p:sldTgt/>
+                  </p:tgtEl>
+                </p:cond>
+              </p:prevCondLst>
+              <p:nextCondLst>
+                <p:cond delay="0" evt="onNext">
+                  <p:tgtEl>
+                    <p:sldTgt/>
+                  </p:tgtEl>
+                </p:cond>
+              </p:nextCondLst>
+            </p:seq>
+          </p:childTnLst>
+        </p:cTn>
+      </p:par>
+    </p:tnLst>
+  </p:timing>
+</p:sld>
+</file>
+
+<file path=ppt/slides/slide9.xml><?xml version="1.0" encoding="utf-8"?>
+<p:sld xmlns:a="http://schemas.openxmlformats.org/drawingml/2006/main" xmlns:p="http://schemas.openxmlformats.org/presentationml/2006/main" xmlns:r="http://schemas.openxmlformats.org/officeDocument/2006/relationships" xmlns:p14="http://schemas.microsoft.com/office/powerpoint/2010/main" xmlns:p15="http://schemas.microsoft.com/office/powerpoint/2012/main" xmlns:mc="http://schemas.openxmlformats.org/markup-compatibility/2006">
+  <p:cSld>
+    <p:spTree>
+      <p:nvGrpSpPr>
+        <p:cNvPr id="1" name=""/>
+        <p:cNvGrpSpPr/>
+        <p:nvPr/>
+      </p:nvGrpSpPr>
+      <p:grpSpPr>
+        <a:xfrm>
+          <a:off x="0" y="0"/>
+          <a:ext cx="0" cy="0"/>
+          <a:chOff x="0" y="0"/>
+          <a:chExt cx="0" cy="0"/>
+        </a:xfrm>
+      </p:grpSpPr>
+      <p:sp>
+        <p:nvSpPr>
+          <p:cNvPr id="139" name="CustomShape 1"/>
+          <p:cNvSpPr/>
+          <p:nvPr/>
+        </p:nvSpPr>
+        <p:spPr>
+          <a:xfrm>
             <a:off x="831960" y="1709640"/>
-            <a:ext cx="10514880" cy="2851920"/>
+            <a:ext cx="10514520" cy="2851560"/>
           </a:xfrm>
           <a:prstGeom prst="rect">
             <a:avLst/>
@@ -4316,14 +6170,14 @@
       </p:sp>
       <p:sp>
         <p:nvSpPr>
-          <p:cNvPr id="92" name="CustomShape 2"/>
+          <p:cNvPr id="140" name="CustomShape 2"/>
           <p:cNvSpPr/>
           <p:nvPr/>
         </p:nvSpPr>
         <p:spPr>
           <a:xfrm>
             <a:off x="831960" y="4589640"/>
-            <a:ext cx="10514880" cy="1499400"/>
+            <a:ext cx="10514520" cy="1499040"/>
           </a:xfrm>
           <a:prstGeom prst="rect">
             <a:avLst/>
@@ -4345,10 +6199,10 @@
   <p:timing>
     <p:tnLst>
       <p:par>
-        <p:cTn id="11" dur="indefinite" restart="never" nodeType="tmRoot">
+        <p:cTn id="17" dur="indefinite" restart="never" nodeType="tmRoot">
           <p:childTnLst>
             <p:seq>
-              <p:cTn id="12" dur="indefinite" nodeType="mainSeq"/>
+              <p:cTn id="18" dur="indefinite" nodeType="mainSeq"/>
               <p:prevCondLst>
                 <p:cond delay="0" evt="onPrev">
                   <p:tgtEl>
@@ -4383,34 +6237,34 @@
         <a:sysClr val="window" lastClr="FFFFFF"/>
       </a:lt1>
       <a:dk2>
-        <a:srgbClr val="44546a"/>
+        <a:srgbClr val="1f497d"/>
       </a:dk2>
       <a:lt2>
-        <a:srgbClr val="e7e6e6"/>
+        <a:srgbClr val="eeece1"/>
       </a:lt2>
       <a:accent1>
-        <a:srgbClr val="5b9bd5"/>
+        <a:srgbClr val="4f81bd"/>
       </a:accent1>
       <a:accent2>
-        <a:srgbClr val="ed7d31"/>
+        <a:srgbClr val="c0504d"/>
       </a:accent2>
       <a:accent3>
-        <a:srgbClr val="a5a5a5"/>
+        <a:srgbClr val="9bbb59"/>
       </a:accent3>
       <a:accent4>
-        <a:srgbClr val="ffc000"/>
+        <a:srgbClr val="8064a2"/>
       </a:accent4>
       <a:accent5>
-        <a:srgbClr val="4472c4"/>
+        <a:srgbClr val="4bacc6"/>
       </a:accent5>
       <a:accent6>
-        <a:srgbClr val="70ad47"/>
+        <a:srgbClr val="f79646"/>
       </a:accent6>
       <a:hlink>
-        <a:srgbClr val="0563c1"/>
+        <a:srgbClr val="0000ff"/>
       </a:hlink>
       <a:folHlink>
-        <a:srgbClr val="954f72"/>
+        <a:srgbClr val="800080"/>
       </a:folHlink>
     </a:clrScheme>
     <a:fontScheme name="Office">
@@ -4606,34 +6460,257 @@
         <a:sysClr val="window" lastClr="FFFFFF"/>
       </a:lt1>
       <a:dk2>
-        <a:srgbClr val="44546a"/>
+        <a:srgbClr val="1f497d"/>
       </a:dk2>
       <a:lt2>
-        <a:srgbClr val="e7e6e6"/>
+        <a:srgbClr val="eeece1"/>
       </a:lt2>
       <a:accent1>
-        <a:srgbClr val="5b9bd5"/>
+        <a:srgbClr val="4f81bd"/>
       </a:accent1>
       <a:accent2>
-        <a:srgbClr val="ed7d31"/>
+        <a:srgbClr val="c0504d"/>
       </a:accent2>
       <a:accent3>
-        <a:srgbClr val="a5a5a5"/>
+        <a:srgbClr val="9bbb59"/>
       </a:accent3>
       <a:accent4>
-        <a:srgbClr val="ffc000"/>
+        <a:srgbClr val="8064a2"/>
       </a:accent4>
       <a:accent5>
-        <a:srgbClr val="4472c4"/>
+        <a:srgbClr val="4bacc6"/>
       </a:accent5>
       <a:accent6>
-        <a:srgbClr val="70ad47"/>
+        <a:srgbClr val="f79646"/>
       </a:accent6>
       <a:hlink>
-        <a:srgbClr val="0563c1"/>
+        <a:srgbClr val="0000ff"/>
       </a:hlink>
       <a:folHlink>
-        <a:srgbClr val="954f72"/>
+        <a:srgbClr val="800080"/>
+      </a:folHlink>
+    </a:clrScheme>
+    <a:fontScheme name="Office">
+      <a:majorFont>
+        <a:latin typeface="Arial"/>
+        <a:ea typeface="DejaVu Sans"/>
+        <a:cs typeface="DejaVu Sans"/>
+      </a:majorFont>
+      <a:minorFont>
+        <a:latin typeface="Arial"/>
+        <a:ea typeface="DejaVu Sans"/>
+        <a:cs typeface="DejaVu Sans"/>
+      </a:minorFont>
+    </a:fontScheme>
+    <a:fmtScheme name="Office">
+      <a:fillStyleLst>
+        <a:solidFill>
+          <a:schemeClr val="phClr"/>
+        </a:solidFill>
+        <a:gradFill rotWithShape="1">
+          <a:gsLst>
+            <a:gs pos="0">
+              <a:schemeClr val="phClr">
+                <a:tint val="50000"/>
+                <a:satMod val="300000"/>
+              </a:schemeClr>
+            </a:gs>
+            <a:gs pos="35000">
+              <a:schemeClr val="phClr">
+                <a:tint val="37000"/>
+                <a:satMod val="300000"/>
+              </a:schemeClr>
+            </a:gs>
+            <a:gs pos="100000">
+              <a:schemeClr val="phClr">
+                <a:tint val="15000"/>
+                <a:satMod val="350000"/>
+              </a:schemeClr>
+            </a:gs>
+          </a:gsLst>
+          <a:lin ang="16200000" scaled="1"/>
+        </a:gradFill>
+        <a:gradFill rotWithShape="1">
+          <a:gsLst>
+            <a:gs pos="0">
+              <a:schemeClr val="phClr">
+                <a:shade val="51000"/>
+                <a:satMod val="130000"/>
+              </a:schemeClr>
+            </a:gs>
+            <a:gs pos="80000">
+              <a:schemeClr val="phClr">
+                <a:shade val="93000"/>
+                <a:satMod val="130000"/>
+              </a:schemeClr>
+            </a:gs>
+            <a:gs pos="100000">
+              <a:schemeClr val="phClr">
+                <a:shade val="94000"/>
+                <a:satMod val="135000"/>
+              </a:schemeClr>
+            </a:gs>
+          </a:gsLst>
+          <a:lin ang="16200000" scaled="0"/>
+        </a:gradFill>
+      </a:fillStyleLst>
+      <a:lnStyleLst>
+        <a:ln w="9525" cap="flat" cmpd="sng" algn="ctr">
+          <a:solidFill>
+            <a:schemeClr val="phClr">
+              <a:shade val="95000"/>
+              <a:satMod val="105000"/>
+            </a:schemeClr>
+          </a:solidFill>
+          <a:prstDash val="solid"/>
+        </a:ln>
+        <a:ln w="25400" cap="flat" cmpd="sng" algn="ctr">
+          <a:solidFill>
+            <a:schemeClr val="phClr"/>
+          </a:solidFill>
+          <a:prstDash val="solid"/>
+        </a:ln>
+        <a:ln w="38100" cap="flat" cmpd="sng" algn="ctr">
+          <a:solidFill>
+            <a:schemeClr val="phClr"/>
+          </a:solidFill>
+          <a:prstDash val="solid"/>
+        </a:ln>
+      </a:lnStyleLst>
+      <a:effectStyleLst>
+        <a:effectStyle>
+          <a:effectLst>
+            <a:outerShdw blurRad="40000" dist="20000" dir="5400000" rotWithShape="0">
+              <a:srgbClr val="000000">
+                <a:alpha val="38000"/>
+              </a:srgbClr>
+            </a:outerShdw>
+          </a:effectLst>
+        </a:effectStyle>
+        <a:effectStyle>
+          <a:effectLst>
+            <a:outerShdw blurRad="40000" dist="23000" dir="5400000" rotWithShape="0">
+              <a:srgbClr val="000000">
+                <a:alpha val="35000"/>
+              </a:srgbClr>
+            </a:outerShdw>
+          </a:effectLst>
+        </a:effectStyle>
+        <a:effectStyle>
+          <a:effectLst>
+            <a:outerShdw blurRad="40000" dist="23000" dir="5400000" rotWithShape="0">
+              <a:srgbClr val="000000">
+                <a:alpha val="35000"/>
+              </a:srgbClr>
+            </a:outerShdw>
+          </a:effectLst>
+          <a:scene3d>
+            <a:camera prst="orthographicFront">
+              <a:rot lat="0" lon="0" rev="0"/>
+            </a:camera>
+            <a:lightRig rig="threePt" dir="t">
+              <a:rot lat="0" lon="0" rev="1200000"/>
+            </a:lightRig>
+          </a:scene3d>
+          <a:sp3d>
+            <a:bevelT w="63500" h="25400"/>
+          </a:sp3d>
+        </a:effectStyle>
+      </a:effectStyleLst>
+      <a:bgFillStyleLst>
+        <a:solidFill>
+          <a:schemeClr val="phClr"/>
+        </a:solidFill>
+        <a:gradFill rotWithShape="1">
+          <a:gsLst>
+            <a:gs pos="0">
+              <a:schemeClr val="phClr">
+                <a:tint val="40000"/>
+                <a:satMod val="350000"/>
+              </a:schemeClr>
+            </a:gs>
+            <a:gs pos="40000">
+              <a:schemeClr val="phClr">
+                <a:tint val="45000"/>
+                <a:shade val="99000"/>
+                <a:satMod val="350000"/>
+              </a:schemeClr>
+            </a:gs>
+            <a:gs pos="100000">
+              <a:schemeClr val="phClr">
+                <a:shade val="20000"/>
+                <a:satMod val="255000"/>
+              </a:schemeClr>
+            </a:gs>
+          </a:gsLst>
+          <a:path path="circle">
+            <a:fillToRect l="50000" t="-80000" r="50000" b="180000"/>
+          </a:path>
+        </a:gradFill>
+        <a:gradFill rotWithShape="1">
+          <a:gsLst>
+            <a:gs pos="0">
+              <a:schemeClr val="phClr">
+                <a:tint val="80000"/>
+                <a:satMod val="300000"/>
+              </a:schemeClr>
+            </a:gs>
+            <a:gs pos="100000">
+              <a:schemeClr val="phClr">
+                <a:shade val="30000"/>
+                <a:satMod val="200000"/>
+              </a:schemeClr>
+            </a:gs>
+          </a:gsLst>
+          <a:path path="circle">
+            <a:fillToRect l="50000" t="50000" r="50000" b="50000"/>
+          </a:path>
+        </a:gradFill>
+      </a:bgFillStyleLst>
+    </a:fmtScheme>
+  </a:themeElements>
+</a:theme>
+</file>
+
+<file path=ppt/theme/theme3.xml><?xml version="1.0" encoding="utf-8"?>
+<a:theme xmlns:a="http://schemas.openxmlformats.org/drawingml/2006/main" name="Office Theme">
+  <a:themeElements>
+    <a:clrScheme name="Office">
+      <a:dk1>
+        <a:sysClr val="windowText" lastClr="000000"/>
+      </a:dk1>
+      <a:lt1>
+        <a:sysClr val="window" lastClr="FFFFFF"/>
+      </a:lt1>
+      <a:dk2>
+        <a:srgbClr val="1f497d"/>
+      </a:dk2>
+      <a:lt2>
+        <a:srgbClr val="eeece1"/>
+      </a:lt2>
+      <a:accent1>
+        <a:srgbClr val="4f81bd"/>
+      </a:accent1>
+      <a:accent2>
+        <a:srgbClr val="c0504d"/>
+      </a:accent2>
+      <a:accent3>
+        <a:srgbClr val="9bbb59"/>
+      </a:accent3>
+      <a:accent4>
+        <a:srgbClr val="8064a2"/>
+      </a:accent4>
+      <a:accent5>
+        <a:srgbClr val="4bacc6"/>
+      </a:accent5>
+      <a:accent6>
+        <a:srgbClr val="f79646"/>
+      </a:accent6>
+      <a:hlink>
+        <a:srgbClr val="0000ff"/>
+      </a:hlink>
+      <a:folHlink>
+        <a:srgbClr val="800080"/>
       </a:folHlink>
     </a:clrScheme>
     <a:fontScheme name="Office">
